--- a/Linguagem Baidu.pptx
+++ b/Linguagem Baidu.pptx
@@ -7,23 +7,14 @@
   <p:sldIdLst>
     <p:sldId id="256" r:id="rId2"/>
     <p:sldId id="266" r:id="rId3"/>
-    <p:sldId id="257" r:id="rId4"/>
-    <p:sldId id="258" r:id="rId5"/>
-    <p:sldId id="263" r:id="rId6"/>
-    <p:sldId id="259" r:id="rId7"/>
-    <p:sldId id="260" r:id="rId8"/>
-    <p:sldId id="261" r:id="rId9"/>
-    <p:sldId id="265" r:id="rId10"/>
-    <p:sldId id="262" r:id="rId11"/>
-    <p:sldId id="264" r:id="rId12"/>
-    <p:sldId id="270" r:id="rId13"/>
-    <p:sldId id="267" r:id="rId14"/>
-    <p:sldId id="268" r:id="rId15"/>
-    <p:sldId id="269" r:id="rId16"/>
-    <p:sldId id="271" r:id="rId17"/>
-    <p:sldId id="272" r:id="rId18"/>
-    <p:sldId id="273" r:id="rId19"/>
-    <p:sldId id="274" r:id="rId20"/>
+    <p:sldId id="267" r:id="rId4"/>
+    <p:sldId id="268" r:id="rId5"/>
+    <p:sldId id="257" r:id="rId6"/>
+    <p:sldId id="269" r:id="rId7"/>
+    <p:sldId id="270" r:id="rId8"/>
+    <p:sldId id="259" r:id="rId9"/>
+    <p:sldId id="260" r:id="rId10"/>
+    <p:sldId id="261" r:id="rId11"/>
   </p:sldIdLst>
   <p:sldSz cx="9144000" cy="6858000" type="screen4x3"/>
   <p:notesSz cx="6858000" cy="9144000"/>
@@ -306,7 +297,7 @@
           <a:p>
             <a:fld id="{F8CACF9F-36BC-4E19-BDCD-B6454537049F}" type="datetimeFigureOut">
               <a:rPr lang="pt-BR" smtClean="0"/>
-              <a:t>30/10/2014</a:t>
+              <a:t>03/11/2014</a:t>
             </a:fld>
             <a:endParaRPr lang="pt-BR"/>
           </a:p>
@@ -476,7 +467,7 @@
           <a:p>
             <a:fld id="{F8CACF9F-36BC-4E19-BDCD-B6454537049F}" type="datetimeFigureOut">
               <a:rPr lang="pt-BR" smtClean="0"/>
-              <a:t>30/10/2014</a:t>
+              <a:t>03/11/2014</a:t>
             </a:fld>
             <a:endParaRPr lang="pt-BR"/>
           </a:p>
@@ -656,7 +647,7 @@
           <a:p>
             <a:fld id="{F8CACF9F-36BC-4E19-BDCD-B6454537049F}" type="datetimeFigureOut">
               <a:rPr lang="pt-BR" smtClean="0"/>
-              <a:t>30/10/2014</a:t>
+              <a:t>03/11/2014</a:t>
             </a:fld>
             <a:endParaRPr lang="pt-BR"/>
           </a:p>
@@ -826,7 +817,7 @@
           <a:p>
             <a:fld id="{F8CACF9F-36BC-4E19-BDCD-B6454537049F}" type="datetimeFigureOut">
               <a:rPr lang="pt-BR" smtClean="0"/>
-              <a:t>30/10/2014</a:t>
+              <a:t>03/11/2014</a:t>
             </a:fld>
             <a:endParaRPr lang="pt-BR"/>
           </a:p>
@@ -1072,7 +1063,7 @@
           <a:p>
             <a:fld id="{F8CACF9F-36BC-4E19-BDCD-B6454537049F}" type="datetimeFigureOut">
               <a:rPr lang="pt-BR" smtClean="0"/>
-              <a:t>30/10/2014</a:t>
+              <a:t>03/11/2014</a:t>
             </a:fld>
             <a:endParaRPr lang="pt-BR"/>
           </a:p>
@@ -1360,7 +1351,7 @@
           <a:p>
             <a:fld id="{F8CACF9F-36BC-4E19-BDCD-B6454537049F}" type="datetimeFigureOut">
               <a:rPr lang="pt-BR" smtClean="0"/>
-              <a:t>30/10/2014</a:t>
+              <a:t>03/11/2014</a:t>
             </a:fld>
             <a:endParaRPr lang="pt-BR"/>
           </a:p>
@@ -1782,7 +1773,7 @@
           <a:p>
             <a:fld id="{F8CACF9F-36BC-4E19-BDCD-B6454537049F}" type="datetimeFigureOut">
               <a:rPr lang="pt-BR" smtClean="0"/>
-              <a:t>30/10/2014</a:t>
+              <a:t>03/11/2014</a:t>
             </a:fld>
             <a:endParaRPr lang="pt-BR"/>
           </a:p>
@@ -1900,7 +1891,7 @@
           <a:p>
             <a:fld id="{F8CACF9F-36BC-4E19-BDCD-B6454537049F}" type="datetimeFigureOut">
               <a:rPr lang="pt-BR" smtClean="0"/>
-              <a:t>30/10/2014</a:t>
+              <a:t>03/11/2014</a:t>
             </a:fld>
             <a:endParaRPr lang="pt-BR"/>
           </a:p>
@@ -1995,7 +1986,7 @@
           <a:p>
             <a:fld id="{F8CACF9F-36BC-4E19-BDCD-B6454537049F}" type="datetimeFigureOut">
               <a:rPr lang="pt-BR" smtClean="0"/>
-              <a:t>30/10/2014</a:t>
+              <a:t>03/11/2014</a:t>
             </a:fld>
             <a:endParaRPr lang="pt-BR"/>
           </a:p>
@@ -2272,7 +2263,7 @@
           <a:p>
             <a:fld id="{F8CACF9F-36BC-4E19-BDCD-B6454537049F}" type="datetimeFigureOut">
               <a:rPr lang="pt-BR" smtClean="0"/>
-              <a:t>30/10/2014</a:t>
+              <a:t>03/11/2014</a:t>
             </a:fld>
             <a:endParaRPr lang="pt-BR"/>
           </a:p>
@@ -2525,7 +2516,7 @@
           <a:p>
             <a:fld id="{F8CACF9F-36BC-4E19-BDCD-B6454537049F}" type="datetimeFigureOut">
               <a:rPr lang="pt-BR" smtClean="0"/>
-              <a:t>30/10/2014</a:t>
+              <a:t>03/11/2014</a:t>
             </a:fld>
             <a:endParaRPr lang="pt-BR"/>
           </a:p>
@@ -2738,7 +2729,7 @@
           <a:p>
             <a:fld id="{F8CACF9F-36BC-4E19-BDCD-B6454537049F}" type="datetimeFigureOut">
               <a:rPr lang="pt-BR" smtClean="0"/>
-              <a:t>30/10/2014</a:t>
+              <a:t>03/11/2014</a:t>
             </a:fld>
             <a:endParaRPr lang="pt-BR"/>
           </a:p>
@@ -3125,7 +3116,7 @@
         </p:nvSpPr>
         <p:spPr>
           <a:xfrm>
-            <a:off x="685800" y="2348880"/>
+            <a:off x="683568" y="980728"/>
             <a:ext cx="7772400" cy="1584176"/>
           </a:xfrm>
         </p:spPr>
@@ -3157,12 +3148,174 @@
             <p:ph type="subTitle" idx="1"/>
           </p:nvPr>
         </p:nvSpPr>
-        <p:spPr/>
-        <p:txBody>
-          <a:bodyPr/>
-          <a:lstStyle/>
-          <a:p>
-            <a:endParaRPr lang="pt-BR" dirty="0"/>
+        <p:spPr>
+          <a:xfrm>
+            <a:off x="1331640" y="2852936"/>
+            <a:ext cx="6400800" cy="1752600"/>
+          </a:xfrm>
+        </p:spPr>
+        <p:txBody>
+          <a:bodyPr>
+            <a:noAutofit/>
+          </a:bodyPr>
+          <a:lstStyle/>
+          <a:p>
+            <a:pPr algn="l"/>
+            <a:r>
+              <a:rPr lang="pt-BR" sz="2400" dirty="0" smtClean="0">
+                <a:solidFill>
+                  <a:schemeClr val="tx1"/>
+                </a:solidFill>
+              </a:rPr>
+              <a:t>Acadêmicos: Kevin Spiller</a:t>
+            </a:r>
+          </a:p>
+          <a:p>
+            <a:pPr algn="l"/>
+            <a:r>
+              <a:rPr lang="pt-BR" sz="2400" dirty="0">
+                <a:solidFill>
+                  <a:schemeClr val="tx1"/>
+                </a:solidFill>
+              </a:rPr>
+              <a:t>	</a:t>
+            </a:r>
+            <a:r>
+              <a:rPr lang="pt-BR" sz="2400" dirty="0" smtClean="0">
+                <a:solidFill>
+                  <a:schemeClr val="tx1"/>
+                </a:solidFill>
+              </a:rPr>
+              <a:t>	    </a:t>
+            </a:r>
+            <a:r>
+              <a:rPr lang="pt-BR" sz="2400" dirty="0" err="1" smtClean="0">
+                <a:solidFill>
+                  <a:schemeClr val="tx1"/>
+                </a:solidFill>
+              </a:rPr>
+              <a:t>Leduan</a:t>
+            </a:r>
+            <a:r>
+              <a:rPr lang="pt-BR" sz="2400" dirty="0" smtClean="0">
+                <a:solidFill>
+                  <a:schemeClr val="tx1"/>
+                </a:solidFill>
+              </a:rPr>
+              <a:t> </a:t>
+            </a:r>
+            <a:r>
+              <a:rPr lang="pt-BR" sz="2400" dirty="0" err="1" smtClean="0">
+                <a:solidFill>
+                  <a:schemeClr val="tx1"/>
+                </a:solidFill>
+              </a:rPr>
+              <a:t>Rabaioli</a:t>
+            </a:r>
+            <a:endParaRPr lang="pt-BR" sz="2400" dirty="0" smtClean="0">
+              <a:solidFill>
+                <a:schemeClr val="tx1"/>
+              </a:solidFill>
+            </a:endParaRPr>
+          </a:p>
+          <a:p>
+            <a:pPr algn="l"/>
+            <a:endParaRPr lang="pt-BR" sz="2400" dirty="0" smtClean="0">
+              <a:solidFill>
+                <a:schemeClr val="tx1"/>
+              </a:solidFill>
+            </a:endParaRPr>
+          </a:p>
+          <a:p>
+            <a:pPr algn="l"/>
+            <a:r>
+              <a:rPr lang="pt-BR" sz="2400" dirty="0" smtClean="0">
+                <a:solidFill>
+                  <a:schemeClr val="tx1"/>
+                </a:solidFill>
+              </a:rPr>
+              <a:t>O interpretador aceita somente arquivos na </a:t>
+            </a:r>
+            <a:r>
+              <a:rPr lang="pt-BR" sz="2400" dirty="0" err="1" smtClean="0">
+                <a:solidFill>
+                  <a:schemeClr val="tx1"/>
+                </a:solidFill>
+              </a:rPr>
+              <a:t>extensao</a:t>
+            </a:r>
+            <a:r>
+              <a:rPr lang="pt-BR" sz="2400" dirty="0" smtClean="0">
+                <a:solidFill>
+                  <a:schemeClr val="tx1"/>
+                </a:solidFill>
+              </a:rPr>
+              <a:t> .</a:t>
+            </a:r>
+            <a:r>
+              <a:rPr lang="pt-BR" sz="2400" dirty="0" err="1" smtClean="0">
+                <a:solidFill>
+                  <a:schemeClr val="tx1"/>
+                </a:solidFill>
+              </a:rPr>
+              <a:t>bd</a:t>
+            </a:r>
+            <a:r>
+              <a:rPr lang="pt-BR" sz="2400" dirty="0">
+                <a:solidFill>
+                  <a:schemeClr val="tx1"/>
+                </a:solidFill>
+              </a:rPr>
+              <a:t> </a:t>
+            </a:r>
+            <a:r>
+              <a:rPr lang="pt-BR" sz="2400" dirty="0" smtClean="0">
+                <a:solidFill>
+                  <a:schemeClr val="tx1"/>
+                </a:solidFill>
+              </a:rPr>
+              <a:t>:</a:t>
+            </a:r>
+          </a:p>
+          <a:p>
+            <a:pPr algn="l"/>
+            <a:r>
+              <a:rPr lang="pt-BR" sz="2400" dirty="0" err="1" smtClean="0">
+                <a:solidFill>
+                  <a:schemeClr val="tx1"/>
+                </a:solidFill>
+              </a:rPr>
+              <a:t>java</a:t>
+            </a:r>
+            <a:r>
+              <a:rPr lang="pt-BR" sz="2400" dirty="0" smtClean="0">
+                <a:solidFill>
+                  <a:schemeClr val="tx1"/>
+                </a:solidFill>
+              </a:rPr>
+              <a:t> –</a:t>
+            </a:r>
+            <a:r>
+              <a:rPr lang="pt-BR" sz="2400" dirty="0" err="1" smtClean="0">
+                <a:solidFill>
+                  <a:schemeClr val="tx1"/>
+                </a:solidFill>
+              </a:rPr>
+              <a:t>jar</a:t>
+            </a:r>
+            <a:r>
+              <a:rPr lang="pt-BR" sz="2400" dirty="0" smtClean="0">
+                <a:solidFill>
+                  <a:schemeClr val="tx1"/>
+                </a:solidFill>
+              </a:rPr>
+              <a:t> Baidu.jar nomedoarquivo.bd</a:t>
+            </a:r>
+            <a:endParaRPr lang="pt-BR" sz="2400" dirty="0">
+              <a:solidFill>
+                <a:schemeClr val="tx1"/>
+              </a:solidFill>
+            </a:endParaRPr>
           </a:p>
         </p:txBody>
       </p:sp>
@@ -3222,7 +3375,7 @@
           <a:p>
             <a:r>
               <a:rPr lang="pt-BR" dirty="0" smtClean="0"/>
-              <a:t>Funcionamento</a:t>
+              <a:t>Exemplos</a:t>
             </a:r>
             <a:endParaRPr lang="pt-BR" dirty="0"/>
           </a:p>
@@ -3240,12 +3393,23 @@
         </p:nvSpPr>
         <p:spPr/>
         <p:txBody>
-          <a:bodyPr/>
-          <a:lstStyle/>
-          <a:p>
-            <a:r>
-              <a:rPr lang="pt-BR" dirty="0" smtClean="0"/>
-              <a:t>Declaração de variáveis:</a:t>
+          <a:bodyPr>
+            <a:normAutofit fontScale="92500" lnSpcReduction="10000"/>
+          </a:bodyPr>
+          <a:lstStyle/>
+          <a:p>
+            <a:r>
+              <a:rPr lang="pt-BR" dirty="0" smtClean="0"/>
+              <a:t>Comando de condição (IF):</a:t>
+            </a:r>
+          </a:p>
+          <a:p>
+            <a:pPr marL="0" indent="0">
+              <a:buNone/>
+            </a:pPr>
+            <a:r>
+              <a:rPr lang="pt-BR" dirty="0" smtClean="0"/>
+              <a:t>    - SE(a$&lt;b$)</a:t>
             </a:r>
           </a:p>
           <a:p>
@@ -3256,1305 +3420,73 @@
               <a:rPr lang="pt-BR" dirty="0"/>
               <a:t>	</a:t>
             </a:r>
-          </a:p>
-        </p:txBody>
-      </p:sp>
-      <p:pic>
-        <p:nvPicPr>
-          <p:cNvPr id="4" name="Imagem 3"/>
-          <p:cNvPicPr>
-            <a:picLocks noChangeAspect="1"/>
-          </p:cNvPicPr>
-          <p:nvPr/>
-        </p:nvPicPr>
-        <p:blipFill>
-          <a:blip r:embed="rId2">
-            <a:extLst>
-              <a:ext uri="{28A0092B-C50C-407E-A947-70E740481C1C}">
-                <a14:useLocalDpi xmlns:a14="http://schemas.microsoft.com/office/drawing/2010/main" val="0"/>
-              </a:ext>
-            </a:extLst>
-          </a:blip>
-          <a:stretch>
-            <a:fillRect/>
-          </a:stretch>
-        </p:blipFill>
-        <p:spPr>
-          <a:xfrm>
-            <a:off x="1403648" y="2266788"/>
-            <a:ext cx="6048672" cy="3250444"/>
-          </a:xfrm>
-          <a:prstGeom prst="rect">
-            <a:avLst/>
-          </a:prstGeom>
-        </p:spPr>
-      </p:pic>
+            <a:r>
+              <a:rPr lang="pt-BR" dirty="0" smtClean="0"/>
+              <a:t>condição</a:t>
+            </a:r>
+          </a:p>
+          <a:p>
+            <a:pPr marL="0" indent="0">
+              <a:buNone/>
+            </a:pPr>
+            <a:r>
+              <a:rPr lang="pt-BR" dirty="0" smtClean="0"/>
+              <a:t>     FIM;</a:t>
+            </a:r>
+          </a:p>
+          <a:p>
+            <a:r>
+              <a:rPr lang="pt-BR" dirty="0" smtClean="0"/>
+              <a:t>Comando de repetição(laço):</a:t>
+            </a:r>
+          </a:p>
+          <a:p>
+            <a:pPr lvl="1">
+              <a:buFontTx/>
+              <a:buChar char="-"/>
+            </a:pPr>
+            <a:r>
+              <a:rPr lang="pt-BR" dirty="0" smtClean="0"/>
+              <a:t>LACO(a$&gt;b$)</a:t>
+            </a:r>
+          </a:p>
+          <a:p>
+            <a:pPr marL="457200" lvl="1" indent="0">
+              <a:buNone/>
+            </a:pPr>
+            <a:r>
+              <a:rPr lang="pt-BR" dirty="0" smtClean="0"/>
+              <a:t>      condição</a:t>
+            </a:r>
+          </a:p>
+          <a:p>
+            <a:pPr marL="457200" lvl="1" indent="0">
+              <a:buNone/>
+            </a:pPr>
+            <a:r>
+              <a:rPr lang="pt-BR" dirty="0"/>
+              <a:t> </a:t>
+            </a:r>
+            <a:r>
+              <a:rPr lang="pt-BR" dirty="0" smtClean="0"/>
+              <a:t>     a$= a$ -1;</a:t>
+            </a:r>
+          </a:p>
+          <a:p>
+            <a:pPr marL="457200" lvl="1" indent="0">
+              <a:buNone/>
+            </a:pPr>
+            <a:r>
+              <a:rPr lang="pt-BR" dirty="0" smtClean="0"/>
+              <a:t>FIMLACO;</a:t>
+            </a:r>
+          </a:p>
+        </p:txBody>
+      </p:sp>
     </p:spTree>
     <p:extLst>
       <p:ext uri="{BB962C8B-B14F-4D97-AF65-F5344CB8AC3E}">
-        <p14:creationId xmlns:p14="http://schemas.microsoft.com/office/powerpoint/2010/main" val="4047523123"/>
-      </p:ext>
-    </p:extLst>
-  </p:cSld>
-  <p:clrMapOvr>
-    <a:masterClrMapping/>
-  </p:clrMapOvr>
-  <p:timing>
-    <p:tnLst>
-      <p:par>
-        <p:cTn id="1" dur="indefinite" restart="never" nodeType="tmRoot"/>
-      </p:par>
-    </p:tnLst>
-  </p:timing>
-</p:sld>
-</file>
-
-<file path=ppt/slides/slide11.xml><?xml version="1.0" encoding="utf-8"?>
-<p:sld xmlns:a="http://schemas.openxmlformats.org/drawingml/2006/main" xmlns:r="http://schemas.openxmlformats.org/officeDocument/2006/relationships" xmlns:p="http://schemas.openxmlformats.org/presentationml/2006/main">
-  <p:cSld>
-    <p:spTree>
-      <p:nvGrpSpPr>
-        <p:cNvPr id="1" name=""/>
-        <p:cNvGrpSpPr/>
-        <p:nvPr/>
-      </p:nvGrpSpPr>
-      <p:grpSpPr>
-        <a:xfrm>
-          <a:off x="0" y="0"/>
-          <a:ext cx="0" cy="0"/>
-          <a:chOff x="0" y="0"/>
-          <a:chExt cx="0" cy="0"/>
-        </a:xfrm>
-      </p:grpSpPr>
-      <p:sp>
-        <p:nvSpPr>
-          <p:cNvPr id="2" name="Título 1"/>
-          <p:cNvSpPr>
-            <a:spLocks noGrp="1"/>
-          </p:cNvSpPr>
-          <p:nvPr>
-            <p:ph type="title"/>
-          </p:nvPr>
-        </p:nvSpPr>
-        <p:spPr>
-          <a:xfrm>
-            <a:off x="431157" y="0"/>
-            <a:ext cx="8229600" cy="1143000"/>
-          </a:xfrm>
-        </p:spPr>
-        <p:txBody>
-          <a:bodyPr/>
-          <a:lstStyle/>
-          <a:p>
-            <a:r>
-              <a:rPr lang="pt-BR" dirty="0" smtClean="0"/>
-              <a:t>Funcionamento</a:t>
-            </a:r>
-            <a:endParaRPr lang="pt-BR" dirty="0"/>
-          </a:p>
-        </p:txBody>
-      </p:sp>
-      <p:sp>
-        <p:nvSpPr>
-          <p:cNvPr id="3" name="Espaço Reservado para Conteúdo 2"/>
-          <p:cNvSpPr>
-            <a:spLocks noGrp="1"/>
-          </p:cNvSpPr>
-          <p:nvPr>
-            <p:ph idx="1"/>
-          </p:nvPr>
-        </p:nvSpPr>
-        <p:spPr>
-          <a:xfrm>
-            <a:off x="431157" y="836712"/>
-            <a:ext cx="8229600" cy="4525963"/>
-          </a:xfrm>
-        </p:spPr>
-        <p:txBody>
-          <a:bodyPr/>
-          <a:lstStyle/>
-          <a:p>
-            <a:r>
-              <a:rPr lang="pt-BR" dirty="0" smtClean="0"/>
-              <a:t>Atribuição de valor a variável:</a:t>
-            </a:r>
-          </a:p>
-          <a:p>
-            <a:pPr marL="0" indent="0">
-              <a:buNone/>
-            </a:pPr>
-            <a:endParaRPr lang="pt-BR" dirty="0"/>
-          </a:p>
-        </p:txBody>
-      </p:sp>
-      <p:pic>
-        <p:nvPicPr>
-          <p:cNvPr id="4" name="Imagem 3"/>
-          <p:cNvPicPr>
-            <a:picLocks noChangeAspect="1"/>
-          </p:cNvPicPr>
-          <p:nvPr/>
-        </p:nvPicPr>
-        <p:blipFill>
-          <a:blip r:embed="rId2">
-            <a:extLst>
-              <a:ext uri="{28A0092B-C50C-407E-A947-70E740481C1C}">
-                <a14:useLocalDpi xmlns:a14="http://schemas.microsoft.com/office/drawing/2010/main" val="0"/>
-              </a:ext>
-            </a:extLst>
-          </a:blip>
-          <a:stretch>
-            <a:fillRect/>
-          </a:stretch>
-        </p:blipFill>
-        <p:spPr>
-          <a:xfrm>
-            <a:off x="226776" y="1628800"/>
-            <a:ext cx="8507012" cy="957117"/>
-          </a:xfrm>
-          <a:prstGeom prst="rect">
-            <a:avLst/>
-          </a:prstGeom>
-        </p:spPr>
-      </p:pic>
-      <p:pic>
-        <p:nvPicPr>
-          <p:cNvPr id="5" name="Imagem 4"/>
-          <p:cNvPicPr>
-            <a:picLocks noChangeAspect="1"/>
-          </p:cNvPicPr>
-          <p:nvPr/>
-        </p:nvPicPr>
-        <p:blipFill>
-          <a:blip r:embed="rId3">
-            <a:extLst>
-              <a:ext uri="{28A0092B-C50C-407E-A947-70E740481C1C}">
-                <a14:useLocalDpi xmlns:a14="http://schemas.microsoft.com/office/drawing/2010/main" val="0"/>
-              </a:ext>
-            </a:extLst>
-          </a:blip>
-          <a:stretch>
-            <a:fillRect/>
-          </a:stretch>
-        </p:blipFill>
-        <p:spPr>
-          <a:xfrm>
-            <a:off x="25508" y="2936648"/>
-            <a:ext cx="9144000" cy="1258761"/>
-          </a:xfrm>
-          <a:prstGeom prst="rect">
-            <a:avLst/>
-          </a:prstGeom>
-        </p:spPr>
-      </p:pic>
-      <p:pic>
-        <p:nvPicPr>
-          <p:cNvPr id="6" name="Imagem 5"/>
-          <p:cNvPicPr>
-            <a:picLocks noChangeAspect="1"/>
-          </p:cNvPicPr>
-          <p:nvPr/>
-        </p:nvPicPr>
-        <p:blipFill>
-          <a:blip r:embed="rId4">
-            <a:extLst>
-              <a:ext uri="{28A0092B-C50C-407E-A947-70E740481C1C}">
-                <a14:useLocalDpi xmlns:a14="http://schemas.microsoft.com/office/drawing/2010/main" val="0"/>
-              </a:ext>
-            </a:extLst>
-          </a:blip>
-          <a:stretch>
-            <a:fillRect/>
-          </a:stretch>
-        </p:blipFill>
-        <p:spPr>
-          <a:xfrm>
-            <a:off x="0" y="4653136"/>
-            <a:ext cx="8945223" cy="1952898"/>
-          </a:xfrm>
-          <a:prstGeom prst="rect">
-            <a:avLst/>
-          </a:prstGeom>
-        </p:spPr>
-      </p:pic>
-    </p:spTree>
-    <p:extLst>
-      <p:ext uri="{BB962C8B-B14F-4D97-AF65-F5344CB8AC3E}">
-        <p14:creationId xmlns:p14="http://schemas.microsoft.com/office/powerpoint/2010/main" val="3327283953"/>
-      </p:ext>
-    </p:extLst>
-  </p:cSld>
-  <p:clrMapOvr>
-    <a:masterClrMapping/>
-  </p:clrMapOvr>
-  <p:timing>
-    <p:tnLst>
-      <p:par>
-        <p:cTn id="1" dur="indefinite" restart="never" nodeType="tmRoot"/>
-      </p:par>
-    </p:tnLst>
-  </p:timing>
-</p:sld>
-</file>
-
-<file path=ppt/slides/slide12.xml><?xml version="1.0" encoding="utf-8"?>
-<p:sld xmlns:a="http://schemas.openxmlformats.org/drawingml/2006/main" xmlns:r="http://schemas.openxmlformats.org/officeDocument/2006/relationships" xmlns:p="http://schemas.openxmlformats.org/presentationml/2006/main">
-  <p:cSld>
-    <p:spTree>
-      <p:nvGrpSpPr>
-        <p:cNvPr id="1" name=""/>
-        <p:cNvGrpSpPr/>
-        <p:nvPr/>
-      </p:nvGrpSpPr>
-      <p:grpSpPr>
-        <a:xfrm>
-          <a:off x="0" y="0"/>
-          <a:ext cx="0" cy="0"/>
-          <a:chOff x="0" y="0"/>
-          <a:chExt cx="0" cy="0"/>
-        </a:xfrm>
-      </p:grpSpPr>
-      <p:sp>
-        <p:nvSpPr>
-          <p:cNvPr id="2" name="Título 1"/>
-          <p:cNvSpPr>
-            <a:spLocks noGrp="1"/>
-          </p:cNvSpPr>
-          <p:nvPr>
-            <p:ph type="title"/>
-          </p:nvPr>
-        </p:nvSpPr>
-        <p:spPr/>
-        <p:txBody>
-          <a:bodyPr>
-            <a:normAutofit fontScale="90000"/>
-          </a:bodyPr>
-          <a:lstStyle/>
-          <a:p>
-            <a:r>
-              <a:rPr lang="pt-BR" dirty="0" smtClean="0"/>
-              <a:t>Funcionamento</a:t>
-            </a:r>
-            <a:br>
-              <a:rPr lang="pt-BR" dirty="0" smtClean="0"/>
-            </a:br>
-            <a:endParaRPr lang="pt-BR" dirty="0"/>
-          </a:p>
-        </p:txBody>
-      </p:sp>
-      <p:pic>
-        <p:nvPicPr>
-          <p:cNvPr id="5" name="Espaço Reservado para Conteúdo 4"/>
-          <p:cNvPicPr>
-            <a:picLocks noGrp="1" noChangeAspect="1"/>
-          </p:cNvPicPr>
-          <p:nvPr>
-            <p:ph idx="1"/>
-          </p:nvPr>
-        </p:nvPicPr>
-        <p:blipFill>
-          <a:blip r:embed="rId2">
-            <a:extLst>
-              <a:ext uri="{28A0092B-C50C-407E-A947-70E740481C1C}">
-                <a14:useLocalDpi xmlns:a14="http://schemas.microsoft.com/office/drawing/2010/main" val="0"/>
-              </a:ext>
-            </a:extLst>
-          </a:blip>
-          <a:stretch>
-            <a:fillRect/>
-          </a:stretch>
-        </p:blipFill>
-        <p:spPr>
-          <a:xfrm>
-            <a:off x="395536" y="2276872"/>
-            <a:ext cx="8229600" cy="3096344"/>
-          </a:xfrm>
-          <a:prstGeom prst="rect">
-            <a:avLst/>
-          </a:prstGeom>
-        </p:spPr>
-      </p:pic>
-    </p:spTree>
-    <p:extLst>
-      <p:ext uri="{BB962C8B-B14F-4D97-AF65-F5344CB8AC3E}">
-        <p14:creationId xmlns:p14="http://schemas.microsoft.com/office/powerpoint/2010/main" val="2021448186"/>
-      </p:ext>
-    </p:extLst>
-  </p:cSld>
-  <p:clrMapOvr>
-    <a:masterClrMapping/>
-  </p:clrMapOvr>
-  <p:timing>
-    <p:tnLst>
-      <p:par>
-        <p:cTn id="1" dur="indefinite" restart="never" nodeType="tmRoot"/>
-      </p:par>
-    </p:tnLst>
-  </p:timing>
-</p:sld>
-</file>
-
-<file path=ppt/slides/slide13.xml><?xml version="1.0" encoding="utf-8"?>
-<p:sld xmlns:a="http://schemas.openxmlformats.org/drawingml/2006/main" xmlns:r="http://schemas.openxmlformats.org/officeDocument/2006/relationships" xmlns:p="http://schemas.openxmlformats.org/presentationml/2006/main">
-  <p:cSld>
-    <p:spTree>
-      <p:nvGrpSpPr>
-        <p:cNvPr id="1" name=""/>
-        <p:cNvGrpSpPr/>
-        <p:nvPr/>
-      </p:nvGrpSpPr>
-      <p:grpSpPr>
-        <a:xfrm>
-          <a:off x="0" y="0"/>
-          <a:ext cx="0" cy="0"/>
-          <a:chOff x="0" y="0"/>
-          <a:chExt cx="0" cy="0"/>
-        </a:xfrm>
-      </p:grpSpPr>
-      <p:sp>
-        <p:nvSpPr>
-          <p:cNvPr id="2" name="Título 1"/>
-          <p:cNvSpPr>
-            <a:spLocks noGrp="1"/>
-          </p:cNvSpPr>
-          <p:nvPr>
-            <p:ph type="title"/>
-          </p:nvPr>
-        </p:nvSpPr>
-        <p:spPr/>
-        <p:txBody>
-          <a:bodyPr/>
-          <a:lstStyle/>
-          <a:p>
-            <a:r>
-              <a:rPr lang="pt-BR" dirty="0" smtClean="0"/>
-              <a:t>Funcionamento</a:t>
-            </a:r>
-            <a:endParaRPr lang="pt-BR" dirty="0"/>
-          </a:p>
-        </p:txBody>
-      </p:sp>
-      <p:sp>
-        <p:nvSpPr>
-          <p:cNvPr id="3" name="Espaço Reservado para Conteúdo 2"/>
-          <p:cNvSpPr>
-            <a:spLocks noGrp="1"/>
-          </p:cNvSpPr>
-          <p:nvPr>
-            <p:ph idx="1"/>
-          </p:nvPr>
-        </p:nvSpPr>
-        <p:spPr>
-          <a:xfrm>
-            <a:off x="448312" y="1340768"/>
-            <a:ext cx="8229600" cy="4525963"/>
-          </a:xfrm>
-        </p:spPr>
-        <p:txBody>
-          <a:bodyPr/>
-          <a:lstStyle/>
-          <a:p>
-            <a:r>
-              <a:rPr lang="pt-BR" dirty="0" smtClean="0"/>
-              <a:t>Expressões Aritméticas</a:t>
-            </a:r>
-          </a:p>
-          <a:p>
-            <a:pPr marL="0" indent="0">
-              <a:buNone/>
-            </a:pPr>
-            <a:endParaRPr lang="pt-BR" dirty="0"/>
-          </a:p>
-        </p:txBody>
-      </p:sp>
-      <p:pic>
-        <p:nvPicPr>
-          <p:cNvPr id="4" name="Imagem 3"/>
-          <p:cNvPicPr>
-            <a:picLocks noChangeAspect="1"/>
-          </p:cNvPicPr>
-          <p:nvPr/>
-        </p:nvPicPr>
-        <p:blipFill>
-          <a:blip r:embed="rId2">
-            <a:extLst>
-              <a:ext uri="{28A0092B-C50C-407E-A947-70E740481C1C}">
-                <a14:useLocalDpi xmlns:a14="http://schemas.microsoft.com/office/drawing/2010/main" val="0"/>
-              </a:ext>
-            </a:extLst>
-          </a:blip>
-          <a:stretch>
-            <a:fillRect/>
-          </a:stretch>
-        </p:blipFill>
-        <p:spPr>
-          <a:xfrm>
-            <a:off x="0" y="1916832"/>
-            <a:ext cx="9144000" cy="1036199"/>
-          </a:xfrm>
-          <a:prstGeom prst="rect">
-            <a:avLst/>
-          </a:prstGeom>
-        </p:spPr>
-      </p:pic>
-      <p:pic>
-        <p:nvPicPr>
-          <p:cNvPr id="5" name="Imagem 4"/>
-          <p:cNvPicPr>
-            <a:picLocks noChangeAspect="1"/>
-          </p:cNvPicPr>
-          <p:nvPr/>
-        </p:nvPicPr>
-        <p:blipFill>
-          <a:blip r:embed="rId3">
-            <a:extLst>
-              <a:ext uri="{28A0092B-C50C-407E-A947-70E740481C1C}">
-                <a14:useLocalDpi xmlns:a14="http://schemas.microsoft.com/office/drawing/2010/main" val="0"/>
-              </a:ext>
-            </a:extLst>
-          </a:blip>
-          <a:stretch>
-            <a:fillRect/>
-          </a:stretch>
-        </p:blipFill>
-        <p:spPr>
-          <a:xfrm>
-            <a:off x="3804" y="2971078"/>
-            <a:ext cx="8707065" cy="1362265"/>
-          </a:xfrm>
-          <a:prstGeom prst="rect">
-            <a:avLst/>
-          </a:prstGeom>
-        </p:spPr>
-      </p:pic>
-      <p:pic>
-        <p:nvPicPr>
-          <p:cNvPr id="6" name="Imagem 5"/>
-          <p:cNvPicPr>
-            <a:picLocks noChangeAspect="1"/>
-          </p:cNvPicPr>
-          <p:nvPr/>
-        </p:nvPicPr>
-        <p:blipFill>
-          <a:blip r:embed="rId4">
-            <a:extLst>
-              <a:ext uri="{28A0092B-C50C-407E-A947-70E740481C1C}">
-                <a14:useLocalDpi xmlns:a14="http://schemas.microsoft.com/office/drawing/2010/main" val="0"/>
-              </a:ext>
-            </a:extLst>
-          </a:blip>
-          <a:stretch>
-            <a:fillRect/>
-          </a:stretch>
-        </p:blipFill>
-        <p:spPr>
-          <a:xfrm>
-            <a:off x="-18434" y="4401525"/>
-            <a:ext cx="9126224" cy="1848108"/>
-          </a:xfrm>
-          <a:prstGeom prst="rect">
-            <a:avLst/>
-          </a:prstGeom>
-        </p:spPr>
-      </p:pic>
-      <p:pic>
-        <p:nvPicPr>
-          <p:cNvPr id="7" name="Imagem 6"/>
-          <p:cNvPicPr>
-            <a:picLocks noChangeAspect="1"/>
-          </p:cNvPicPr>
-          <p:nvPr/>
-        </p:nvPicPr>
-        <p:blipFill>
-          <a:blip r:embed="rId5">
-            <a:extLst>
-              <a:ext uri="{28A0092B-C50C-407E-A947-70E740481C1C}">
-                <a14:useLocalDpi xmlns:a14="http://schemas.microsoft.com/office/drawing/2010/main" val="0"/>
-              </a:ext>
-            </a:extLst>
-          </a:blip>
-          <a:stretch>
-            <a:fillRect/>
-          </a:stretch>
-        </p:blipFill>
-        <p:spPr>
-          <a:xfrm>
-            <a:off x="-18434" y="6295947"/>
-            <a:ext cx="2572109" cy="562053"/>
-          </a:xfrm>
-          <a:prstGeom prst="rect">
-            <a:avLst/>
-          </a:prstGeom>
-        </p:spPr>
-      </p:pic>
-    </p:spTree>
-    <p:extLst>
-      <p:ext uri="{BB962C8B-B14F-4D97-AF65-F5344CB8AC3E}">
-        <p14:creationId xmlns:p14="http://schemas.microsoft.com/office/powerpoint/2010/main" val="1489072985"/>
-      </p:ext>
-    </p:extLst>
-  </p:cSld>
-  <p:clrMapOvr>
-    <a:masterClrMapping/>
-  </p:clrMapOvr>
-  <p:timing>
-    <p:tnLst>
-      <p:par>
-        <p:cTn id="1" dur="indefinite" restart="never" nodeType="tmRoot"/>
-      </p:par>
-    </p:tnLst>
-  </p:timing>
-</p:sld>
-</file>
-
-<file path=ppt/slides/slide14.xml><?xml version="1.0" encoding="utf-8"?>
-<p:sld xmlns:a="http://schemas.openxmlformats.org/drawingml/2006/main" xmlns:r="http://schemas.openxmlformats.org/officeDocument/2006/relationships" xmlns:p="http://schemas.openxmlformats.org/presentationml/2006/main">
-  <p:cSld>
-    <p:spTree>
-      <p:nvGrpSpPr>
-        <p:cNvPr id="1" name=""/>
-        <p:cNvGrpSpPr/>
-        <p:nvPr/>
-      </p:nvGrpSpPr>
-      <p:grpSpPr>
-        <a:xfrm>
-          <a:off x="0" y="0"/>
-          <a:ext cx="0" cy="0"/>
-          <a:chOff x="0" y="0"/>
-          <a:chExt cx="0" cy="0"/>
-        </a:xfrm>
-      </p:grpSpPr>
-      <p:sp>
-        <p:nvSpPr>
-          <p:cNvPr id="2" name="Título 1"/>
-          <p:cNvSpPr>
-            <a:spLocks noGrp="1"/>
-          </p:cNvSpPr>
-          <p:nvPr>
-            <p:ph type="title"/>
-          </p:nvPr>
-        </p:nvSpPr>
-        <p:spPr/>
-        <p:txBody>
-          <a:bodyPr/>
-          <a:lstStyle/>
-          <a:p>
-            <a:r>
-              <a:rPr lang="pt-BR" dirty="0" smtClean="0"/>
-              <a:t>Funcionamento</a:t>
-            </a:r>
-            <a:endParaRPr lang="pt-BR" dirty="0"/>
-          </a:p>
-        </p:txBody>
-      </p:sp>
-      <p:sp>
-        <p:nvSpPr>
-          <p:cNvPr id="3" name="Espaço Reservado para Conteúdo 2"/>
-          <p:cNvSpPr>
-            <a:spLocks noGrp="1"/>
-          </p:cNvSpPr>
-          <p:nvPr>
-            <p:ph idx="1"/>
-          </p:nvPr>
-        </p:nvSpPr>
-        <p:spPr/>
-        <p:txBody>
-          <a:bodyPr/>
-          <a:lstStyle/>
-          <a:p>
-            <a:pPr marL="0" indent="0">
-              <a:buNone/>
-            </a:pPr>
-            <a:r>
-              <a:rPr lang="pt-BR" dirty="0" smtClean="0"/>
-              <a:t>IMPRIMA</a:t>
-            </a:r>
-          </a:p>
-          <a:p>
-            <a:pPr marL="0" indent="0">
-              <a:buNone/>
-            </a:pPr>
-            <a:endParaRPr lang="pt-BR" dirty="0"/>
-          </a:p>
-        </p:txBody>
-      </p:sp>
-      <p:pic>
-        <p:nvPicPr>
-          <p:cNvPr id="4" name="Imagem 3"/>
-          <p:cNvPicPr>
-            <a:picLocks noChangeAspect="1"/>
-          </p:cNvPicPr>
-          <p:nvPr/>
-        </p:nvPicPr>
-        <p:blipFill>
-          <a:blip r:embed="rId2">
-            <a:extLst>
-              <a:ext uri="{28A0092B-C50C-407E-A947-70E740481C1C}">
-                <a14:useLocalDpi xmlns:a14="http://schemas.microsoft.com/office/drawing/2010/main" val="0"/>
-              </a:ext>
-            </a:extLst>
-          </a:blip>
-          <a:stretch>
-            <a:fillRect/>
-          </a:stretch>
-        </p:blipFill>
-        <p:spPr>
-          <a:xfrm>
-            <a:off x="186709" y="2276872"/>
-            <a:ext cx="8621328" cy="552527"/>
-          </a:xfrm>
-          <a:prstGeom prst="rect">
-            <a:avLst/>
-          </a:prstGeom>
-        </p:spPr>
-      </p:pic>
-      <p:pic>
-        <p:nvPicPr>
-          <p:cNvPr id="5" name="Imagem 4"/>
-          <p:cNvPicPr>
-            <a:picLocks noChangeAspect="1"/>
-          </p:cNvPicPr>
-          <p:nvPr/>
-        </p:nvPicPr>
-        <p:blipFill>
-          <a:blip r:embed="rId3">
-            <a:extLst>
-              <a:ext uri="{28A0092B-C50C-407E-A947-70E740481C1C}">
-                <a14:useLocalDpi xmlns:a14="http://schemas.microsoft.com/office/drawing/2010/main" val="0"/>
-              </a:ext>
-            </a:extLst>
-          </a:blip>
-          <a:stretch>
-            <a:fillRect/>
-          </a:stretch>
-        </p:blipFill>
-        <p:spPr>
-          <a:xfrm>
-            <a:off x="167656" y="3284984"/>
-            <a:ext cx="8640381" cy="2372056"/>
-          </a:xfrm>
-          <a:prstGeom prst="rect">
-            <a:avLst/>
-          </a:prstGeom>
-        </p:spPr>
-      </p:pic>
-    </p:spTree>
-    <p:extLst>
-      <p:ext uri="{BB962C8B-B14F-4D97-AF65-F5344CB8AC3E}">
-        <p14:creationId xmlns:p14="http://schemas.microsoft.com/office/powerpoint/2010/main" val="1691708413"/>
-      </p:ext>
-    </p:extLst>
-  </p:cSld>
-  <p:clrMapOvr>
-    <a:masterClrMapping/>
-  </p:clrMapOvr>
-  <p:timing>
-    <p:tnLst>
-      <p:par>
-        <p:cTn id="1" dur="indefinite" restart="never" nodeType="tmRoot"/>
-      </p:par>
-    </p:tnLst>
-  </p:timing>
-</p:sld>
-</file>
-
-<file path=ppt/slides/slide15.xml><?xml version="1.0" encoding="utf-8"?>
-<p:sld xmlns:a="http://schemas.openxmlformats.org/drawingml/2006/main" xmlns:r="http://schemas.openxmlformats.org/officeDocument/2006/relationships" xmlns:p="http://schemas.openxmlformats.org/presentationml/2006/main">
-  <p:cSld>
-    <p:spTree>
-      <p:nvGrpSpPr>
-        <p:cNvPr id="1" name=""/>
-        <p:cNvGrpSpPr/>
-        <p:nvPr/>
-      </p:nvGrpSpPr>
-      <p:grpSpPr>
-        <a:xfrm>
-          <a:off x="0" y="0"/>
-          <a:ext cx="0" cy="0"/>
-          <a:chOff x="0" y="0"/>
-          <a:chExt cx="0" cy="0"/>
-        </a:xfrm>
-      </p:grpSpPr>
-      <p:sp>
-        <p:nvSpPr>
-          <p:cNvPr id="2" name="Título 1"/>
-          <p:cNvSpPr>
-            <a:spLocks noGrp="1"/>
-          </p:cNvSpPr>
-          <p:nvPr>
-            <p:ph type="title"/>
-          </p:nvPr>
-        </p:nvSpPr>
-        <p:spPr/>
-        <p:txBody>
-          <a:bodyPr/>
-          <a:lstStyle/>
-          <a:p>
-            <a:r>
-              <a:rPr lang="pt-BR" dirty="0" smtClean="0"/>
-              <a:t>Funcionamento</a:t>
-            </a:r>
-            <a:endParaRPr lang="pt-BR" dirty="0"/>
-          </a:p>
-        </p:txBody>
-      </p:sp>
-      <p:sp>
-        <p:nvSpPr>
-          <p:cNvPr id="3" name="Espaço Reservado para Conteúdo 2"/>
-          <p:cNvSpPr>
-            <a:spLocks noGrp="1"/>
-          </p:cNvSpPr>
-          <p:nvPr>
-            <p:ph idx="1"/>
-          </p:nvPr>
-        </p:nvSpPr>
-        <p:spPr/>
-        <p:txBody>
-          <a:bodyPr/>
-          <a:lstStyle/>
-          <a:p>
-            <a:r>
-              <a:rPr lang="pt-BR" dirty="0" smtClean="0"/>
-              <a:t>ESCREVA:</a:t>
-            </a:r>
-          </a:p>
-          <a:p>
-            <a:endParaRPr lang="pt-BR" dirty="0"/>
-          </a:p>
-        </p:txBody>
-      </p:sp>
-      <p:pic>
-        <p:nvPicPr>
-          <p:cNvPr id="5" name="Imagem 4"/>
-          <p:cNvPicPr>
-            <a:picLocks noChangeAspect="1"/>
-          </p:cNvPicPr>
-          <p:nvPr/>
-        </p:nvPicPr>
-        <p:blipFill>
-          <a:blip r:embed="rId2">
-            <a:extLst>
-              <a:ext uri="{28A0092B-C50C-407E-A947-70E740481C1C}">
-                <a14:useLocalDpi xmlns:a14="http://schemas.microsoft.com/office/drawing/2010/main" val="0"/>
-              </a:ext>
-            </a:extLst>
-          </a:blip>
-          <a:stretch>
-            <a:fillRect/>
-          </a:stretch>
-        </p:blipFill>
-        <p:spPr>
-          <a:xfrm>
-            <a:off x="755576" y="2132856"/>
-            <a:ext cx="7421011" cy="864096"/>
-          </a:xfrm>
-          <a:prstGeom prst="rect">
-            <a:avLst/>
-          </a:prstGeom>
-        </p:spPr>
-      </p:pic>
-      <p:pic>
-        <p:nvPicPr>
-          <p:cNvPr id="6" name="Imagem 5"/>
-          <p:cNvPicPr>
-            <a:picLocks noChangeAspect="1"/>
-          </p:cNvPicPr>
-          <p:nvPr/>
-        </p:nvPicPr>
-        <p:blipFill>
-          <a:blip r:embed="rId3">
-            <a:extLst>
-              <a:ext uri="{28A0092B-C50C-407E-A947-70E740481C1C}">
-                <a14:useLocalDpi xmlns:a14="http://schemas.microsoft.com/office/drawing/2010/main" val="0"/>
-              </a:ext>
-            </a:extLst>
-          </a:blip>
-          <a:stretch>
-            <a:fillRect/>
-          </a:stretch>
-        </p:blipFill>
-        <p:spPr>
-          <a:xfrm>
-            <a:off x="0" y="3356992"/>
-            <a:ext cx="9144000" cy="1800200"/>
-          </a:xfrm>
-          <a:prstGeom prst="rect">
-            <a:avLst/>
-          </a:prstGeom>
-        </p:spPr>
-      </p:pic>
-    </p:spTree>
-    <p:extLst>
-      <p:ext uri="{BB962C8B-B14F-4D97-AF65-F5344CB8AC3E}">
-        <p14:creationId xmlns:p14="http://schemas.microsoft.com/office/powerpoint/2010/main" val="2461543025"/>
-      </p:ext>
-    </p:extLst>
-  </p:cSld>
-  <p:clrMapOvr>
-    <a:masterClrMapping/>
-  </p:clrMapOvr>
-  <p:timing>
-    <p:tnLst>
-      <p:par>
-        <p:cTn id="1" dur="indefinite" restart="never" nodeType="tmRoot"/>
-      </p:par>
-    </p:tnLst>
-  </p:timing>
-</p:sld>
-</file>
-
-<file path=ppt/slides/slide16.xml><?xml version="1.0" encoding="utf-8"?>
-<p:sld xmlns:a="http://schemas.openxmlformats.org/drawingml/2006/main" xmlns:r="http://schemas.openxmlformats.org/officeDocument/2006/relationships" xmlns:p="http://schemas.openxmlformats.org/presentationml/2006/main">
-  <p:cSld>
-    <p:spTree>
-      <p:nvGrpSpPr>
-        <p:cNvPr id="1" name=""/>
-        <p:cNvGrpSpPr/>
-        <p:nvPr/>
-      </p:nvGrpSpPr>
-      <p:grpSpPr>
-        <a:xfrm>
-          <a:off x="0" y="0"/>
-          <a:ext cx="0" cy="0"/>
-          <a:chOff x="0" y="0"/>
-          <a:chExt cx="0" cy="0"/>
-        </a:xfrm>
-      </p:grpSpPr>
-      <p:sp>
-        <p:nvSpPr>
-          <p:cNvPr id="2" name="Título 1"/>
-          <p:cNvSpPr>
-            <a:spLocks noGrp="1"/>
-          </p:cNvSpPr>
-          <p:nvPr>
-            <p:ph type="title"/>
-          </p:nvPr>
-        </p:nvSpPr>
-        <p:spPr/>
-        <p:txBody>
-          <a:bodyPr/>
-          <a:lstStyle/>
-          <a:p>
-            <a:r>
-              <a:rPr lang="pt-BR" dirty="0" smtClean="0"/>
-              <a:t>Funcionamento</a:t>
-            </a:r>
-            <a:endParaRPr lang="pt-BR" dirty="0"/>
-          </a:p>
-        </p:txBody>
-      </p:sp>
-      <p:sp>
-        <p:nvSpPr>
-          <p:cNvPr id="3" name="Espaço Reservado para Conteúdo 2"/>
-          <p:cNvSpPr>
-            <a:spLocks noGrp="1"/>
-          </p:cNvSpPr>
-          <p:nvPr>
-            <p:ph idx="1"/>
-          </p:nvPr>
-        </p:nvSpPr>
-        <p:spPr/>
-        <p:txBody>
-          <a:bodyPr/>
-          <a:lstStyle/>
-          <a:p>
-            <a:r>
-              <a:rPr lang="pt-BR" dirty="0" smtClean="0"/>
-              <a:t>Seleção de fluxo(IF):</a:t>
-            </a:r>
-          </a:p>
-          <a:p>
-            <a:endParaRPr lang="pt-BR" dirty="0"/>
-          </a:p>
-        </p:txBody>
-      </p:sp>
-      <p:pic>
-        <p:nvPicPr>
-          <p:cNvPr id="4" name="Imagem 3"/>
-          <p:cNvPicPr>
-            <a:picLocks noChangeAspect="1"/>
-          </p:cNvPicPr>
-          <p:nvPr/>
-        </p:nvPicPr>
-        <p:blipFill>
-          <a:blip r:embed="rId2">
-            <a:extLst>
-              <a:ext uri="{28A0092B-C50C-407E-A947-70E740481C1C}">
-                <a14:useLocalDpi xmlns:a14="http://schemas.microsoft.com/office/drawing/2010/main" val="0"/>
-              </a:ext>
-            </a:extLst>
-          </a:blip>
-          <a:stretch>
-            <a:fillRect/>
-          </a:stretch>
-        </p:blipFill>
-        <p:spPr>
-          <a:xfrm>
-            <a:off x="1137758" y="2090551"/>
-            <a:ext cx="6868484" cy="2490578"/>
-          </a:xfrm>
-          <a:prstGeom prst="rect">
-            <a:avLst/>
-          </a:prstGeom>
-        </p:spPr>
-      </p:pic>
-      <p:pic>
-        <p:nvPicPr>
-          <p:cNvPr id="5" name="Imagem 4"/>
-          <p:cNvPicPr>
-            <a:picLocks noChangeAspect="1"/>
-          </p:cNvPicPr>
-          <p:nvPr/>
-        </p:nvPicPr>
-        <p:blipFill>
-          <a:blip r:embed="rId3">
-            <a:extLst>
-              <a:ext uri="{28A0092B-C50C-407E-A947-70E740481C1C}">
-                <a14:useLocalDpi xmlns:a14="http://schemas.microsoft.com/office/drawing/2010/main" val="0"/>
-              </a:ext>
-            </a:extLst>
-          </a:blip>
-          <a:stretch>
-            <a:fillRect/>
-          </a:stretch>
-        </p:blipFill>
-        <p:spPr>
-          <a:xfrm>
-            <a:off x="175871" y="4725144"/>
-            <a:ext cx="8830907" cy="1895740"/>
-          </a:xfrm>
-          <a:prstGeom prst="rect">
-            <a:avLst/>
-          </a:prstGeom>
-        </p:spPr>
-      </p:pic>
-    </p:spTree>
-    <p:extLst>
-      <p:ext uri="{BB962C8B-B14F-4D97-AF65-F5344CB8AC3E}">
-        <p14:creationId xmlns:p14="http://schemas.microsoft.com/office/powerpoint/2010/main" val="1950798127"/>
-      </p:ext>
-    </p:extLst>
-  </p:cSld>
-  <p:clrMapOvr>
-    <a:masterClrMapping/>
-  </p:clrMapOvr>
-  <p:timing>
-    <p:tnLst>
-      <p:par>
-        <p:cTn id="1" dur="indefinite" restart="never" nodeType="tmRoot"/>
-      </p:par>
-    </p:tnLst>
-  </p:timing>
-</p:sld>
-</file>
-
-<file path=ppt/slides/slide17.xml><?xml version="1.0" encoding="utf-8"?>
-<p:sld xmlns:a="http://schemas.openxmlformats.org/drawingml/2006/main" xmlns:r="http://schemas.openxmlformats.org/officeDocument/2006/relationships" xmlns:p="http://schemas.openxmlformats.org/presentationml/2006/main">
-  <p:cSld>
-    <p:spTree>
-      <p:nvGrpSpPr>
-        <p:cNvPr id="1" name=""/>
-        <p:cNvGrpSpPr/>
-        <p:nvPr/>
-      </p:nvGrpSpPr>
-      <p:grpSpPr>
-        <a:xfrm>
-          <a:off x="0" y="0"/>
-          <a:ext cx="0" cy="0"/>
-          <a:chOff x="0" y="0"/>
-          <a:chExt cx="0" cy="0"/>
-        </a:xfrm>
-      </p:grpSpPr>
-      <p:sp>
-        <p:nvSpPr>
-          <p:cNvPr id="2" name="Título 1"/>
-          <p:cNvSpPr>
-            <a:spLocks noGrp="1"/>
-          </p:cNvSpPr>
-          <p:nvPr>
-            <p:ph type="title"/>
-          </p:nvPr>
-        </p:nvSpPr>
-        <p:spPr/>
-        <p:txBody>
-          <a:bodyPr/>
-          <a:lstStyle/>
-          <a:p>
-            <a:r>
-              <a:rPr lang="pt-BR" dirty="0" smtClean="0"/>
-              <a:t>Funcionamento</a:t>
-            </a:r>
-            <a:endParaRPr lang="pt-BR" dirty="0"/>
-          </a:p>
-        </p:txBody>
-      </p:sp>
-      <p:pic>
-        <p:nvPicPr>
-          <p:cNvPr id="4" name="Espaço Reservado para Conteúdo 3"/>
-          <p:cNvPicPr>
-            <a:picLocks noGrp="1" noChangeAspect="1"/>
-          </p:cNvPicPr>
-          <p:nvPr>
-            <p:ph idx="1"/>
-          </p:nvPr>
-        </p:nvPicPr>
-        <p:blipFill>
-          <a:blip r:embed="rId2">
-            <a:extLst>
-              <a:ext uri="{28A0092B-C50C-407E-A947-70E740481C1C}">
-                <a14:useLocalDpi xmlns:a14="http://schemas.microsoft.com/office/drawing/2010/main" val="0"/>
-              </a:ext>
-            </a:extLst>
-          </a:blip>
-          <a:stretch>
-            <a:fillRect/>
-          </a:stretch>
-        </p:blipFill>
-        <p:spPr>
-          <a:xfrm>
-            <a:off x="2843808" y="1268760"/>
-            <a:ext cx="2915057" cy="1581371"/>
-          </a:xfrm>
-        </p:spPr>
-      </p:pic>
-      <p:pic>
-        <p:nvPicPr>
-          <p:cNvPr id="5" name="Imagem 4"/>
-          <p:cNvPicPr>
-            <a:picLocks noChangeAspect="1"/>
-          </p:cNvPicPr>
-          <p:nvPr/>
-        </p:nvPicPr>
-        <p:blipFill>
-          <a:blip r:embed="rId3">
-            <a:extLst>
-              <a:ext uri="{28A0092B-C50C-407E-A947-70E740481C1C}">
-                <a14:useLocalDpi xmlns:a14="http://schemas.microsoft.com/office/drawing/2010/main" val="0"/>
-              </a:ext>
-            </a:extLst>
-          </a:blip>
-          <a:stretch>
-            <a:fillRect/>
-          </a:stretch>
-        </p:blipFill>
-        <p:spPr>
-          <a:xfrm>
-            <a:off x="804335" y="2924944"/>
-            <a:ext cx="7535327" cy="2295845"/>
-          </a:xfrm>
-          <a:prstGeom prst="rect">
-            <a:avLst/>
-          </a:prstGeom>
-        </p:spPr>
-      </p:pic>
-    </p:spTree>
-    <p:extLst>
-      <p:ext uri="{BB962C8B-B14F-4D97-AF65-F5344CB8AC3E}">
-        <p14:creationId xmlns:p14="http://schemas.microsoft.com/office/powerpoint/2010/main" val="4135049690"/>
-      </p:ext>
-    </p:extLst>
-  </p:cSld>
-  <p:clrMapOvr>
-    <a:masterClrMapping/>
-  </p:clrMapOvr>
-  <p:timing>
-    <p:tnLst>
-      <p:par>
-        <p:cTn id="1" dur="indefinite" restart="never" nodeType="tmRoot"/>
-      </p:par>
-    </p:tnLst>
-  </p:timing>
-</p:sld>
-</file>
-
-<file path=ppt/slides/slide18.xml><?xml version="1.0" encoding="utf-8"?>
-<p:sld xmlns:a="http://schemas.openxmlformats.org/drawingml/2006/main" xmlns:r="http://schemas.openxmlformats.org/officeDocument/2006/relationships" xmlns:p="http://schemas.openxmlformats.org/presentationml/2006/main">
-  <p:cSld>
-    <p:spTree>
-      <p:nvGrpSpPr>
-        <p:cNvPr id="1" name=""/>
-        <p:cNvGrpSpPr/>
-        <p:nvPr/>
-      </p:nvGrpSpPr>
-      <p:grpSpPr>
-        <a:xfrm>
-          <a:off x="0" y="0"/>
-          <a:ext cx="0" cy="0"/>
-          <a:chOff x="0" y="0"/>
-          <a:chExt cx="0" cy="0"/>
-        </a:xfrm>
-      </p:grpSpPr>
-      <p:sp>
-        <p:nvSpPr>
-          <p:cNvPr id="2" name="Título 1"/>
-          <p:cNvSpPr>
-            <a:spLocks noGrp="1"/>
-          </p:cNvSpPr>
-          <p:nvPr>
-            <p:ph type="title"/>
-          </p:nvPr>
-        </p:nvSpPr>
-        <p:spPr/>
-        <p:txBody>
-          <a:bodyPr/>
-          <a:lstStyle/>
-          <a:p>
-            <a:r>
-              <a:rPr lang="pt-BR" dirty="0" smtClean="0"/>
-              <a:t>Funcionamento</a:t>
-            </a:r>
-            <a:endParaRPr lang="pt-BR" dirty="0"/>
-          </a:p>
-        </p:txBody>
-      </p:sp>
-      <p:sp>
-        <p:nvSpPr>
-          <p:cNvPr id="3" name="Espaço Reservado para Conteúdo 2"/>
-          <p:cNvSpPr>
-            <a:spLocks noGrp="1"/>
-          </p:cNvSpPr>
-          <p:nvPr>
-            <p:ph idx="1"/>
-          </p:nvPr>
-        </p:nvSpPr>
-        <p:spPr/>
-        <p:txBody>
-          <a:bodyPr/>
-          <a:lstStyle/>
-          <a:p>
-            <a:r>
-              <a:rPr lang="pt-BR" dirty="0" smtClean="0"/>
-              <a:t>Laco:</a:t>
-            </a:r>
-          </a:p>
-          <a:p>
-            <a:endParaRPr lang="pt-BR" dirty="0"/>
-          </a:p>
-        </p:txBody>
-      </p:sp>
-      <p:pic>
-        <p:nvPicPr>
-          <p:cNvPr id="4" name="Imagem 3"/>
-          <p:cNvPicPr>
-            <a:picLocks noChangeAspect="1"/>
-          </p:cNvPicPr>
-          <p:nvPr/>
-        </p:nvPicPr>
-        <p:blipFill>
-          <a:blip r:embed="rId2">
-            <a:extLst>
-              <a:ext uri="{28A0092B-C50C-407E-A947-70E740481C1C}">
-                <a14:useLocalDpi xmlns:a14="http://schemas.microsoft.com/office/drawing/2010/main" val="0"/>
-              </a:ext>
-            </a:extLst>
-          </a:blip>
-          <a:stretch>
-            <a:fillRect/>
-          </a:stretch>
-        </p:blipFill>
-        <p:spPr>
-          <a:xfrm>
-            <a:off x="1032083" y="2636912"/>
-            <a:ext cx="7068536" cy="3362794"/>
-          </a:xfrm>
-          <a:prstGeom prst="rect">
-            <a:avLst/>
-          </a:prstGeom>
-        </p:spPr>
-      </p:pic>
-    </p:spTree>
-    <p:extLst>
-      <p:ext uri="{BB962C8B-B14F-4D97-AF65-F5344CB8AC3E}">
-        <p14:creationId xmlns:p14="http://schemas.microsoft.com/office/powerpoint/2010/main" val="2271104180"/>
-      </p:ext>
-    </p:extLst>
-  </p:cSld>
-  <p:clrMapOvr>
-    <a:masterClrMapping/>
-  </p:clrMapOvr>
-  <p:timing>
-    <p:tnLst>
-      <p:par>
-        <p:cTn id="1" dur="indefinite" restart="never" nodeType="tmRoot"/>
-      </p:par>
-    </p:tnLst>
-  </p:timing>
-</p:sld>
-</file>
-
-<file path=ppt/slides/slide19.xml><?xml version="1.0" encoding="utf-8"?>
-<p:sld xmlns:a="http://schemas.openxmlformats.org/drawingml/2006/main" xmlns:r="http://schemas.openxmlformats.org/officeDocument/2006/relationships" xmlns:p="http://schemas.openxmlformats.org/presentationml/2006/main">
-  <p:cSld>
-    <p:spTree>
-      <p:nvGrpSpPr>
-        <p:cNvPr id="1" name=""/>
-        <p:cNvGrpSpPr/>
-        <p:nvPr/>
-      </p:nvGrpSpPr>
-      <p:grpSpPr>
-        <a:xfrm>
-          <a:off x="0" y="0"/>
-          <a:ext cx="0" cy="0"/>
-          <a:chOff x="0" y="0"/>
-          <a:chExt cx="0" cy="0"/>
-        </a:xfrm>
-      </p:grpSpPr>
-      <p:sp>
-        <p:nvSpPr>
-          <p:cNvPr id="2" name="Título 1"/>
-          <p:cNvSpPr>
-            <a:spLocks noGrp="1"/>
-          </p:cNvSpPr>
-          <p:nvPr>
-            <p:ph type="title"/>
-          </p:nvPr>
-        </p:nvSpPr>
-        <p:spPr/>
-        <p:txBody>
-          <a:bodyPr/>
-          <a:lstStyle/>
-          <a:p>
-            <a:r>
-              <a:rPr lang="pt-BR" dirty="0" smtClean="0"/>
-              <a:t>Funcionamento</a:t>
-            </a:r>
-            <a:endParaRPr lang="pt-BR" dirty="0"/>
-          </a:p>
-        </p:txBody>
-      </p:sp>
-      <p:pic>
-        <p:nvPicPr>
-          <p:cNvPr id="4" name="Espaço Reservado para Conteúdo 3"/>
-          <p:cNvPicPr>
-            <a:picLocks noGrp="1" noChangeAspect="1"/>
-          </p:cNvPicPr>
-          <p:nvPr>
-            <p:ph idx="1"/>
-          </p:nvPr>
-        </p:nvPicPr>
-        <p:blipFill>
-          <a:blip r:embed="rId2">
-            <a:extLst>
-              <a:ext uri="{28A0092B-C50C-407E-A947-70E740481C1C}">
-                <a14:useLocalDpi xmlns:a14="http://schemas.microsoft.com/office/drawing/2010/main" val="0"/>
-              </a:ext>
-            </a:extLst>
-          </a:blip>
-          <a:stretch>
-            <a:fillRect/>
-          </a:stretch>
-        </p:blipFill>
-        <p:spPr>
-          <a:xfrm>
-            <a:off x="1763688" y="1916832"/>
-            <a:ext cx="5040559" cy="4248472"/>
-          </a:xfrm>
-        </p:spPr>
-      </p:pic>
-    </p:spTree>
-    <p:extLst>
-      <p:ext uri="{BB962C8B-B14F-4D97-AF65-F5344CB8AC3E}">
-        <p14:creationId xmlns:p14="http://schemas.microsoft.com/office/powerpoint/2010/main" val="3349249005"/>
+        <p14:creationId xmlns:p14="http://schemas.microsoft.com/office/powerpoint/2010/main" val="2547231747"/>
       </p:ext>
     </p:extLst>
   </p:cSld>
@@ -4638,9 +3570,17 @@
           </a:p>
           <a:p>
             <a:r>
-              <a:rPr lang="pt-BR" dirty="0" smtClean="0"/>
+              <a:rPr lang="pt-BR" dirty="0" smtClean="0">
+                <a:hlinkClick r:id="rId2"/>
+              </a:rPr>
               <a:t>https://github.com/Kevinspiller/baidu</a:t>
             </a:r>
+            <a:endParaRPr lang="pt-BR" dirty="0" smtClean="0"/>
+          </a:p>
+          <a:p>
+            <a:pPr marL="0" indent="0">
+              <a:buNone/>
+            </a:pPr>
             <a:endParaRPr lang="pt-BR" dirty="0"/>
           </a:p>
         </p:txBody>
@@ -4699,7 +3639,7 @@
           <a:p>
             <a:r>
               <a:rPr lang="pt-BR" dirty="0" smtClean="0"/>
-              <a:t>Expressões aritméticas</a:t>
+              <a:t>Análise de uma linha</a:t>
             </a:r>
             <a:endParaRPr lang="pt-BR" dirty="0"/>
           </a:p>
@@ -4720,70 +3660,25 @@
           <a:bodyPr/>
           <a:lstStyle/>
           <a:p>
-            <a:pPr marL="0" indent="0">
-              <a:buNone/>
-            </a:pPr>
-            <a:r>
-              <a:rPr lang="pt-BR" dirty="0" smtClean="0"/>
-              <a:t>                  </a:t>
+            <a:r>
+              <a:rPr lang="pt-BR" dirty="0" smtClean="0"/>
+              <a:t>Cada linha do arquivo .</a:t>
             </a:r>
             <a:r>
               <a:rPr lang="pt-BR" dirty="0" err="1" smtClean="0"/>
-              <a:t>java</a:t>
-            </a:r>
-            <a:r>
-              <a:rPr lang="pt-BR" dirty="0" smtClean="0"/>
-              <a:t>                                 </a:t>
+              <a:t>bd</a:t>
+            </a:r>
+            <a:r>
+              <a:rPr lang="pt-BR" dirty="0" smtClean="0"/>
+              <a:t> é guardada em um vetor de </a:t>
             </a:r>
             <a:r>
               <a:rPr lang="pt-BR" dirty="0" err="1" smtClean="0"/>
-              <a:t>Baidu</a:t>
-            </a:r>
-            <a:r>
-              <a:rPr lang="pt-BR" dirty="0" smtClean="0"/>
-              <a:t/>
-            </a:r>
-            <a:br>
-              <a:rPr lang="pt-BR" dirty="0" smtClean="0"/>
-            </a:br>
-            <a:r>
-              <a:rPr lang="pt-BR" dirty="0" smtClean="0"/>
-              <a:t/>
-            </a:r>
-            <a:br>
-              <a:rPr lang="pt-BR" dirty="0" smtClean="0"/>
-            </a:br>
-            <a:r>
-              <a:rPr lang="pt-BR" dirty="0" smtClean="0"/>
-              <a:t>		+				   + </a:t>
-            </a:r>
-            <a:br>
-              <a:rPr lang="pt-BR" dirty="0" smtClean="0"/>
-            </a:br>
-            <a:r>
-              <a:rPr lang="pt-BR" dirty="0" smtClean="0"/>
-              <a:t>		-				    -</a:t>
-            </a:r>
-            <a:br>
-              <a:rPr lang="pt-BR" dirty="0" smtClean="0"/>
-            </a:br>
-            <a:r>
-              <a:rPr lang="pt-BR" dirty="0" smtClean="0"/>
-              <a:t>		*				    *</a:t>
-            </a:r>
-            <a:br>
-              <a:rPr lang="pt-BR" dirty="0" smtClean="0"/>
-            </a:br>
-            <a:r>
-              <a:rPr lang="pt-BR" dirty="0" smtClean="0"/>
-              <a:t>		/				    /</a:t>
-            </a:r>
-            <a:br>
-              <a:rPr lang="pt-BR" dirty="0" smtClean="0"/>
-            </a:br>
-            <a:r>
-              <a:rPr lang="pt-BR" dirty="0" smtClean="0"/>
-              <a:t>		%				    %</a:t>
+              <a:t>string</a:t>
+            </a:r>
+            <a:r>
+              <a:rPr lang="pt-BR" dirty="0" smtClean="0"/>
+              <a:t>. Cada posição do vetor é analisada  a fim de verificar os comandos que foram inseridos na linguagem. A linguagem é flexível retirando os espaços.</a:t>
             </a:r>
             <a:endParaRPr lang="pt-BR" dirty="0"/>
           </a:p>
@@ -4792,21 +3687,13 @@
     </p:spTree>
     <p:extLst>
       <p:ext uri="{BB962C8B-B14F-4D97-AF65-F5344CB8AC3E}">
-        <p14:creationId xmlns:p14="http://schemas.microsoft.com/office/powerpoint/2010/main" val="2484086742"/>
+        <p14:creationId xmlns:p14="http://schemas.microsoft.com/office/powerpoint/2010/main" val="476449558"/>
       </p:ext>
     </p:extLst>
   </p:cSld>
   <p:clrMapOvr>
     <a:masterClrMapping/>
   </p:clrMapOvr>
-  <mc:AlternateContent xmlns:mc="http://schemas.openxmlformats.org/markup-compatibility/2006">
-    <mc:Choice xmlns:p14="http://schemas.microsoft.com/office/powerpoint/2010/main" Requires="p14">
-      <p:transition spd="slow" p14:dur="2000"/>
-    </mc:Choice>
-    <mc:Fallback>
-      <p:transition spd="slow"/>
-    </mc:Fallback>
-  </mc:AlternateContent>
   <p:timing>
     <p:tnLst>
       <p:par>
@@ -4851,7 +3738,7 @@
           <a:p>
             <a:r>
               <a:rPr lang="pt-BR" dirty="0" smtClean="0"/>
-              <a:t>Expressões lógicas </a:t>
+              <a:t>Declaração a atribuição de variável</a:t>
             </a:r>
             <a:endParaRPr lang="pt-BR" dirty="0"/>
           </a:p>
@@ -4867,131 +3754,39 @@
             <p:ph idx="1"/>
           </p:nvPr>
         </p:nvSpPr>
-        <p:spPr>
-          <a:xfrm>
-            <a:off x="457200" y="1268760"/>
-            <a:ext cx="8229600" cy="4857403"/>
-          </a:xfrm>
-        </p:spPr>
+        <p:spPr/>
         <p:txBody>
           <a:bodyPr>
-            <a:normAutofit fontScale="62500" lnSpcReduction="20000"/>
+            <a:normAutofit lnSpcReduction="10000"/>
           </a:bodyPr>
           <a:lstStyle/>
           <a:p>
-            <a:pPr marL="0" indent="0">
-              <a:buNone/>
-            </a:pPr>
-            <a:r>
-              <a:rPr lang="pt-BR" dirty="0"/>
-              <a:t> </a:t>
-            </a:r>
-            <a:r>
-              <a:rPr lang="pt-BR" dirty="0" smtClean="0"/>
-              <a:t>  		</a:t>
-            </a:r>
-          </a:p>
-          <a:p>
-            <a:pPr marL="0" indent="0">
-              <a:buNone/>
-            </a:pPr>
-            <a:endParaRPr lang="pt-BR" sz="5100" dirty="0"/>
-          </a:p>
-          <a:p>
-            <a:pPr marL="0" indent="0">
-              <a:buNone/>
-            </a:pPr>
-            <a:r>
-              <a:rPr lang="pt-BR" sz="5100" dirty="0" smtClean="0"/>
-              <a:t>		Java 		           </a:t>
-            </a:r>
-            <a:r>
-              <a:rPr lang="pt-BR" sz="5100" dirty="0"/>
-              <a:t> </a:t>
-            </a:r>
-            <a:r>
-              <a:rPr lang="pt-BR" sz="5100" dirty="0" smtClean="0"/>
-              <a:t>     </a:t>
-            </a:r>
-            <a:r>
-              <a:rPr lang="pt-BR" sz="5100" dirty="0" err="1" smtClean="0"/>
-              <a:t>Baidu</a:t>
-            </a:r>
-            <a:endParaRPr lang="pt-BR" sz="5100" dirty="0" smtClean="0"/>
-          </a:p>
-          <a:p>
-            <a:pPr marL="0" indent="0">
-              <a:buNone/>
-            </a:pPr>
-            <a:r>
-              <a:rPr lang="pt-BR" sz="5700" dirty="0" smtClean="0"/>
-              <a:t/>
-            </a:r>
-            <a:br>
-              <a:rPr lang="pt-BR" sz="5700" dirty="0" smtClean="0"/>
-            </a:br>
-            <a:r>
-              <a:rPr lang="pt-BR" sz="5700" dirty="0" smtClean="0"/>
-              <a:t>		==				@</a:t>
-            </a:r>
-            <a:br>
-              <a:rPr lang="pt-BR" sz="5700" dirty="0" smtClean="0"/>
-            </a:br>
-            <a:r>
-              <a:rPr lang="pt-BR" sz="5700" dirty="0" smtClean="0"/>
-              <a:t>		!=				#</a:t>
-            </a:r>
-            <a:br>
-              <a:rPr lang="pt-BR" sz="5700" dirty="0" smtClean="0"/>
-            </a:br>
-            <a:r>
-              <a:rPr lang="pt-BR" sz="5700" dirty="0" smtClean="0"/>
-              <a:t>		&gt;				&gt;</a:t>
-            </a:r>
-            <a:br>
-              <a:rPr lang="pt-BR" sz="5700" dirty="0" smtClean="0"/>
-            </a:br>
-            <a:r>
-              <a:rPr lang="pt-BR" sz="5700" dirty="0" smtClean="0"/>
-              <a:t>		&lt;				&lt;</a:t>
-            </a:r>
-          </a:p>
-          <a:p>
-            <a:pPr marL="0" indent="0">
-              <a:buNone/>
-            </a:pPr>
-            <a:r>
-              <a:rPr lang="pt-BR" dirty="0"/>
-              <a:t>	</a:t>
-            </a:r>
-            <a:r>
-              <a:rPr lang="pt-BR" dirty="0" smtClean="0"/>
-              <a:t>	</a:t>
+            <a:r>
+              <a:rPr lang="pt-BR" dirty="0" smtClean="0"/>
+              <a:t>Para declarar uma variável é necessário uma </a:t>
+            </a:r>
+            <a:r>
+              <a:rPr lang="pt-BR" dirty="0" err="1" smtClean="0"/>
+              <a:t>string</a:t>
+            </a:r>
+            <a:r>
+              <a:rPr lang="pt-BR" dirty="0" smtClean="0"/>
+              <a:t> de 3 caracteres seguida do nome da variável, o que delimita o fim da declaração é o “$” sem “;” no final.</a:t>
+            </a:r>
+          </a:p>
+          <a:p>
+            <a:r>
+              <a:rPr lang="pt-BR" dirty="0" smtClean="0"/>
+              <a:t>Para atribuir valor a uma variável é preciso colocar o nome da variável seguido do “$” seguido do “=“ e o valor a ser atribuído , a variável pode receber um valor ou outra variável, para finalizar é preciso do”;”</a:t>
             </a:r>
             <a:endParaRPr lang="pt-BR" dirty="0"/>
-          </a:p>
-          <a:p>
-            <a:pPr marL="0" indent="0">
-              <a:buNone/>
-            </a:pPr>
-            <a:r>
-              <a:rPr lang="pt-BR" dirty="0" smtClean="0"/>
-              <a:t>		</a:t>
-            </a:r>
-            <a:br>
-              <a:rPr lang="pt-BR" dirty="0" smtClean="0"/>
-            </a:br>
-            <a:r>
-              <a:rPr lang="pt-BR" dirty="0" smtClean="0"/>
-              <a:t>				</a:t>
-            </a:r>
           </a:p>
         </p:txBody>
       </p:sp>
     </p:spTree>
     <p:extLst>
       <p:ext uri="{BB962C8B-B14F-4D97-AF65-F5344CB8AC3E}">
-        <p14:creationId xmlns:p14="http://schemas.microsoft.com/office/powerpoint/2010/main" val="349563238"/>
+        <p14:creationId xmlns:p14="http://schemas.microsoft.com/office/powerpoint/2010/main" val="314849333"/>
       </p:ext>
     </p:extLst>
   </p:cSld>
@@ -5040,7 +3835,11 @@
           <a:bodyPr/>
           <a:lstStyle/>
           <a:p>
-            <a:endParaRPr lang="pt-BR"/>
+            <a:r>
+              <a:rPr lang="pt-BR" dirty="0" smtClean="0"/>
+              <a:t>Operadores</a:t>
+            </a:r>
+            <a:endParaRPr lang="pt-BR" dirty="0"/>
           </a:p>
         </p:txBody>
       </p:sp>
@@ -5054,90 +3853,139 @@
             <p:ph idx="1"/>
           </p:nvPr>
         </p:nvSpPr>
-        <p:spPr/>
-        <p:txBody>
-          <a:bodyPr/>
-          <a:lstStyle/>
-          <a:p>
-            <a:pPr marL="3200400" lvl="7" indent="0">
+        <p:spPr>
+          <a:xfrm>
+            <a:off x="457200" y="1196752"/>
+            <a:ext cx="8229600" cy="5328592"/>
+          </a:xfrm>
+        </p:spPr>
+        <p:txBody>
+          <a:bodyPr>
+            <a:normAutofit fontScale="55000" lnSpcReduction="20000"/>
+          </a:bodyPr>
+          <a:lstStyle/>
+          <a:p>
+            <a:pPr marL="0" indent="0" algn="just">
               <a:buNone/>
             </a:pPr>
             <a:r>
               <a:rPr lang="pt-BR" dirty="0" smtClean="0"/>
+              <a:t/>
+            </a:r>
+            <a:br>
+              <a:rPr lang="pt-BR" dirty="0" smtClean="0"/>
+            </a:br>
+            <a:r>
+              <a:rPr lang="pt-BR" sz="5100" dirty="0" smtClean="0"/>
+              <a:t>  Aritméticos</a:t>
+            </a:r>
+            <a:br>
+              <a:rPr lang="pt-BR" sz="5100" dirty="0" smtClean="0"/>
+            </a:br>
+            <a:endParaRPr lang="pt-BR" sz="5100" dirty="0" smtClean="0"/>
+          </a:p>
+          <a:p>
+            <a:pPr marL="0" indent="0" algn="just">
+              <a:buNone/>
+            </a:pPr>
+            <a:r>
+              <a:rPr lang="pt-BR" sz="5100" dirty="0" smtClean="0"/>
+              <a:t>			       + - * / %</a:t>
+            </a:r>
+            <a:endParaRPr lang="pt-BR" sz="5100" dirty="0"/>
+          </a:p>
+          <a:p>
+            <a:pPr marL="0" indent="0" algn="just">
+              <a:buNone/>
+            </a:pPr>
+            <a:r>
+              <a:rPr lang="pt-BR" sz="5100" dirty="0" smtClean="0"/>
+              <a:t>			</a:t>
+            </a:r>
+          </a:p>
+          <a:p>
+            <a:pPr marL="0" indent="0" algn="just">
+              <a:buNone/>
+            </a:pPr>
+            <a:r>
+              <a:rPr lang="pt-BR" sz="5100" dirty="0" smtClean="0"/>
+              <a:t>			     </a:t>
+            </a:r>
+            <a:br>
+              <a:rPr lang="pt-BR" sz="5100" dirty="0" smtClean="0"/>
+            </a:br>
+            <a:r>
+              <a:rPr lang="pt-BR" sz="5100" dirty="0" smtClean="0"/>
+              <a:t>			         Lógicos</a:t>
+            </a:r>
+          </a:p>
+          <a:p>
+            <a:pPr marL="0" indent="0" algn="ctr">
+              <a:buNone/>
+            </a:pPr>
+            <a:r>
+              <a:rPr lang="pt-BR" sz="5100" dirty="0" smtClean="0"/>
+              <a:t> @ # &gt; &lt;</a:t>
+            </a:r>
+            <a:br>
+              <a:rPr lang="pt-BR" sz="5100" dirty="0" smtClean="0"/>
+            </a:br>
+            <a:r>
+              <a:rPr lang="pt-BR" sz="5100" dirty="0" smtClean="0"/>
+              <a:t>		</a:t>
+            </a:r>
+          </a:p>
+          <a:p>
+            <a:pPr marL="0" indent="0" algn="ctr">
+              <a:buNone/>
+            </a:pPr>
+            <a:r>
+              <a:rPr lang="pt-BR" sz="5100" dirty="0" smtClean="0"/>
               <a:t>	</a:t>
             </a:r>
           </a:p>
           <a:p>
-            <a:pPr marL="457200" lvl="1" indent="0">
+            <a:pPr marL="0" indent="0" algn="ctr">
               <a:buNone/>
             </a:pPr>
             <a:r>
-              <a:rPr lang="pt-BR" dirty="0" smtClean="0"/>
+              <a:rPr lang="pt-BR" sz="5100" dirty="0" smtClean="0"/>
               <a:t>Atribuição</a:t>
             </a:r>
           </a:p>
           <a:p>
-            <a:pPr marL="457200" lvl="1" indent="0">
+            <a:pPr marL="0" indent="0" algn="ctr">
               <a:buNone/>
             </a:pPr>
-            <a:endParaRPr lang="pt-BR" dirty="0"/>
-          </a:p>
-          <a:p>
-            <a:pPr marL="457200" lvl="1" indent="0">
-              <a:buNone/>
-            </a:pPr>
-            <a:r>
-              <a:rPr lang="pt-BR" dirty="0" smtClean="0"/>
-              <a:t>		Java				</a:t>
-            </a:r>
-            <a:r>
-              <a:rPr lang="pt-BR" dirty="0" err="1" smtClean="0"/>
-              <a:t>Baidu</a:t>
-            </a:r>
-            <a:endParaRPr lang="pt-BR" dirty="0" smtClean="0"/>
-          </a:p>
-          <a:p>
-            <a:pPr marL="457200" lvl="1" indent="0">
-              <a:buNone/>
-            </a:pPr>
-            <a:r>
-              <a:rPr lang="pt-BR" dirty="0"/>
+            <a:r>
+              <a:rPr lang="pt-BR" sz="5100" dirty="0"/>
+              <a:t>=</a:t>
+            </a:r>
+            <a:r>
+              <a:rPr lang="pt-BR" sz="5100" dirty="0" smtClean="0"/>
+              <a:t/>
+            </a:r>
+            <a:br>
+              <a:rPr lang="pt-BR" sz="5100" dirty="0" smtClean="0"/>
+            </a:br>
+            <a:r>
+              <a:rPr lang="pt-BR" sz="5100" dirty="0" smtClean="0"/>
+              <a:t>		</a:t>
+            </a:r>
+            <a:r>
+              <a:rPr lang="pt-BR" sz="4000" dirty="0" smtClean="0"/>
               <a:t>	</a:t>
             </a:r>
-            <a:r>
-              <a:rPr lang="pt-BR" dirty="0" smtClean="0"/>
-              <a:t>	   =				     =</a:t>
-            </a:r>
-          </a:p>
-          <a:p>
-            <a:pPr marL="457200" lvl="1" indent="0">
-              <a:buNone/>
-            </a:pPr>
-            <a:r>
-              <a:rPr lang="pt-BR" dirty="0" smtClean="0"/>
-              <a:t>Comentários:</a:t>
-            </a:r>
-          </a:p>
-          <a:p>
-            <a:pPr marL="457200" lvl="1" indent="0">
-              <a:buNone/>
-            </a:pPr>
-            <a:r>
-              <a:rPr lang="pt-BR" dirty="0" smtClean="0"/>
+            <a:br>
+              <a:rPr lang="pt-BR" sz="4000" dirty="0" smtClean="0"/>
+            </a:br>
+            <a:r>
+              <a:rPr lang="pt-BR" sz="4000" dirty="0" smtClean="0"/>
               <a:t>		</a:t>
             </a:r>
-          </a:p>
-          <a:p>
-            <a:pPr marL="457200" lvl="1" indent="0">
-              <a:buNone/>
-            </a:pPr>
-            <a:r>
-              <a:rPr lang="pt-BR" dirty="0"/>
+            <a:r>
+              <a:rPr lang="pt-BR" dirty="0" smtClean="0"/>
               <a:t>	</a:t>
-            </a:r>
-            <a:r>
-              <a:rPr lang="pt-BR" dirty="0" smtClean="0"/>
-              <a:t>	//				     &amp;&amp;</a:t>
             </a:r>
             <a:endParaRPr lang="pt-BR" dirty="0"/>
           </a:p>
@@ -5146,13 +3994,21 @@
     </p:spTree>
     <p:extLst>
       <p:ext uri="{BB962C8B-B14F-4D97-AF65-F5344CB8AC3E}">
-        <p14:creationId xmlns:p14="http://schemas.microsoft.com/office/powerpoint/2010/main" val="970372029"/>
+        <p14:creationId xmlns:p14="http://schemas.microsoft.com/office/powerpoint/2010/main" val="2484086742"/>
       </p:ext>
     </p:extLst>
   </p:cSld>
   <p:clrMapOvr>
     <a:masterClrMapping/>
   </p:clrMapOvr>
+  <mc:AlternateContent xmlns:mc="http://schemas.openxmlformats.org/markup-compatibility/2006" xmlns:p14="http://schemas.microsoft.com/office/powerpoint/2010/main">
+    <mc:Choice Requires="p14">
+      <p:transition spd="slow" p14:dur="2000"/>
+    </mc:Choice>
+    <mc:Fallback xmlns="">
+      <p:transition spd="slow"/>
+    </mc:Fallback>
+  </mc:AlternateContent>
   <p:timing>
     <p:tnLst>
       <p:par>
@@ -5197,7 +4053,7 @@
           <a:p>
             <a:r>
               <a:rPr lang="pt-BR" dirty="0" smtClean="0"/>
-              <a:t>Exemplos</a:t>
+              <a:t>Funcionamento IF</a:t>
             </a:r>
             <a:endParaRPr lang="pt-BR" dirty="0"/>
           </a:p>
@@ -5220,113 +4076,30 @@
           <a:p>
             <a:r>
               <a:rPr lang="pt-BR" dirty="0" smtClean="0"/>
-              <a:t>Declaração de variáveis:</a:t>
-            </a:r>
-            <a:br>
-              <a:rPr lang="pt-BR" dirty="0" smtClean="0"/>
-            </a:br>
-            <a:r>
-              <a:rPr lang="pt-BR" dirty="0" smtClean="0"/>
-              <a:t>	var </a:t>
+              <a:t>Quando encontra o comando “SE” ele verifica se a condição é verdadeira ,se for verdadeira ele continua executando o </a:t>
             </a:r>
             <a:r>
               <a:rPr lang="pt-BR" dirty="0" err="1" smtClean="0"/>
-              <a:t>op</a:t>
-            </a:r>
-            <a:r>
-              <a:rPr lang="pt-BR" dirty="0" smtClean="0"/>
-              <a:t>$</a:t>
-            </a:r>
-            <a:endParaRPr lang="pt-BR" u="sng" dirty="0"/>
-          </a:p>
-          <a:p>
-            <a:r>
-              <a:rPr lang="pt-BR" dirty="0" smtClean="0"/>
-              <a:t>Atribuição de valor a variável</a:t>
-            </a:r>
-          </a:p>
-          <a:p>
-            <a:pPr marL="0" indent="0">
-              <a:buNone/>
-            </a:pPr>
-            <a:r>
-              <a:rPr lang="pt-BR" dirty="0" smtClean="0"/>
-              <a:t>	</a:t>
-            </a:r>
-            <a:r>
-              <a:rPr lang="pt-BR" dirty="0" err="1" smtClean="0"/>
-              <a:t>op</a:t>
-            </a:r>
-            <a:r>
-              <a:rPr lang="pt-BR" dirty="0" smtClean="0"/>
-              <a:t>$ = 1;</a:t>
-            </a:r>
-          </a:p>
-          <a:p>
-            <a:r>
-              <a:rPr lang="pt-BR" dirty="0" smtClean="0"/>
-              <a:t>Operações:</a:t>
-            </a:r>
-          </a:p>
-          <a:p>
-            <a:pPr marL="0" indent="0">
-              <a:buNone/>
-            </a:pPr>
-            <a:r>
-              <a:rPr lang="pt-BR" dirty="0" smtClean="0"/>
-              <a:t>  	</a:t>
-            </a:r>
-            <a:r>
-              <a:rPr lang="pt-BR" dirty="0" err="1" smtClean="0"/>
-              <a:t>cont</a:t>
-            </a:r>
-            <a:r>
-              <a:rPr lang="pt-BR" dirty="0" smtClean="0"/>
-              <a:t>$=num$+num2$;</a:t>
-            </a:r>
-          </a:p>
-          <a:p>
-            <a:pPr marL="0" indent="0">
-              <a:buNone/>
-            </a:pPr>
-            <a:r>
-              <a:rPr lang="pt-BR" dirty="0" smtClean="0"/>
-              <a:t>	</a:t>
-            </a:r>
-            <a:r>
-              <a:rPr lang="pt-BR" dirty="0" err="1" smtClean="0"/>
-              <a:t>cont</a:t>
-            </a:r>
-            <a:r>
-              <a:rPr lang="pt-BR" dirty="0" smtClean="0"/>
-              <a:t>$=num$*num2$;</a:t>
-            </a:r>
-          </a:p>
-          <a:p>
-            <a:pPr marL="0" indent="0">
-              <a:buNone/>
-            </a:pPr>
-            <a:endParaRPr lang="pt-BR" dirty="0" smtClean="0"/>
+              <a:t>codigo</a:t>
+            </a:r>
+            <a:r>
+              <a:rPr lang="pt-BR" dirty="0" smtClean="0"/>
+              <a:t> ,se for falsa o programa procura pelo “FIM; ” e continua executando após essa linha.</a:t>
+            </a:r>
+            <a:endParaRPr lang="pt-BR" dirty="0"/>
           </a:p>
         </p:txBody>
       </p:sp>
     </p:spTree>
     <p:extLst>
       <p:ext uri="{BB962C8B-B14F-4D97-AF65-F5344CB8AC3E}">
-        <p14:creationId xmlns:p14="http://schemas.microsoft.com/office/powerpoint/2010/main" val="1874165920"/>
+        <p14:creationId xmlns:p14="http://schemas.microsoft.com/office/powerpoint/2010/main" val="1001757035"/>
       </p:ext>
     </p:extLst>
   </p:cSld>
   <p:clrMapOvr>
     <a:masterClrMapping/>
   </p:clrMapOvr>
-  <p:timing>
-    <p:tnLst>
-      <p:par>
-        <p:cTn id="1" dur="indefinite" restart="never" nodeType="tmRoot"/>
-      </p:par>
-    </p:tnLst>
-  </p:timing>
 </p:sld>
 </file>
 
@@ -5364,7 +4137,7 @@
           <a:p>
             <a:r>
               <a:rPr lang="pt-BR" dirty="0" smtClean="0"/>
-              <a:t>Exemplos</a:t>
+              <a:t>Funcionamento Laço</a:t>
             </a:r>
             <a:endParaRPr lang="pt-BR" dirty="0"/>
           </a:p>
@@ -5383,85 +4156,21 @@
         <p:spPr/>
         <p:txBody>
           <a:bodyPr>
-            <a:normAutofit lnSpcReduction="10000"/>
+            <a:normAutofit fontScale="92500" lnSpcReduction="10000"/>
           </a:bodyPr>
           <a:lstStyle/>
           <a:p>
             <a:r>
               <a:rPr lang="pt-BR" dirty="0" smtClean="0"/>
-              <a:t>Impressão de </a:t>
-            </a:r>
-            <a:r>
-              <a:rPr lang="pt-BR" dirty="0" err="1" smtClean="0"/>
-              <a:t>string</a:t>
-            </a:r>
-            <a:r>
-              <a:rPr lang="pt-BR" dirty="0" smtClean="0"/>
-              <a:t> na tela:</a:t>
-            </a:r>
-            <a:endParaRPr lang="pt-BR" dirty="0"/>
-          </a:p>
-          <a:p>
-            <a:pPr marL="0" indent="0">
-              <a:buNone/>
-            </a:pPr>
-            <a:r>
-              <a:rPr lang="pt-BR" dirty="0" smtClean="0"/>
-              <a:t>    - IMPRIMA(‘</a:t>
-            </a:r>
-            <a:r>
-              <a:rPr lang="pt-BR" dirty="0" err="1" smtClean="0"/>
-              <a:t>Ola</a:t>
-            </a:r>
-            <a:r>
-              <a:rPr lang="pt-BR" dirty="0" smtClean="0"/>
-              <a:t> Mundo’);</a:t>
-            </a:r>
-          </a:p>
-          <a:p>
-            <a:pPr marL="0" indent="0">
-              <a:buNone/>
-            </a:pPr>
-            <a:endParaRPr lang="pt-BR" dirty="0" smtClean="0"/>
-          </a:p>
-          <a:p>
-            <a:r>
-              <a:rPr lang="pt-BR" dirty="0" smtClean="0"/>
-              <a:t>Impressão de valor de uma variável:</a:t>
-            </a:r>
-          </a:p>
-          <a:p>
-            <a:pPr marL="0" indent="0">
-              <a:buNone/>
-            </a:pPr>
+              <a:t>Quando o interpretador encontrar o comando “LACO” ele verifica se a condição contida é verdadeira, se for executa as próximas linhas e é feito um incremento antes do comando “FIMLACO”. O aninhamento do Laço é feito através de uma pilha. Ao encontrar o comando “LACO” com condição verdadeira a linha é </a:t>
+            </a:r>
             <a:r>
               <a:rPr lang="pt-BR" dirty="0"/>
-              <a:t> </a:t>
-            </a:r>
-            <a:r>
-              <a:rPr lang="pt-BR" dirty="0" smtClean="0"/>
-              <a:t>   - IMPRIMA(a$);</a:t>
-            </a:r>
-          </a:p>
-          <a:p>
-            <a:pPr marL="0" indent="0">
-              <a:buNone/>
-            </a:pPr>
-            <a:endParaRPr lang="pt-BR" dirty="0"/>
-          </a:p>
-          <a:p>
-            <a:r>
-              <a:rPr lang="pt-BR" dirty="0" smtClean="0"/>
-              <a:t>Ler uma variável do teclado:</a:t>
-            </a:r>
-          </a:p>
-          <a:p>
-            <a:pPr marL="0" indent="0">
-              <a:buNone/>
-            </a:pPr>
-            <a:r>
-              <a:rPr lang="pt-BR" dirty="0" smtClean="0"/>
-              <a:t>    - ESCREVA(a$);</a:t>
+              <a:t>e</a:t>
+            </a:r>
+            <a:r>
+              <a:rPr lang="pt-BR" dirty="0" smtClean="0"/>
+              <a:t>mpilhada em uma pilha e ao encontrar o “FIMLACO” ocorre o desempilhamento da próxima linha a ser executada.</a:t>
             </a:r>
             <a:endParaRPr lang="pt-BR" dirty="0"/>
           </a:p>
@@ -5470,20 +4179,13 @@
     </p:spTree>
     <p:extLst>
       <p:ext uri="{BB962C8B-B14F-4D97-AF65-F5344CB8AC3E}">
-        <p14:creationId xmlns:p14="http://schemas.microsoft.com/office/powerpoint/2010/main" val="1818435867"/>
+        <p14:creationId xmlns:p14="http://schemas.microsoft.com/office/powerpoint/2010/main" val="2196109322"/>
       </p:ext>
     </p:extLst>
   </p:cSld>
   <p:clrMapOvr>
     <a:masterClrMapping/>
   </p:clrMapOvr>
-  <p:timing>
-    <p:tnLst>
-      <p:par>
-        <p:cTn id="1" dur="indefinite" restart="never" nodeType="tmRoot"/>
-      </p:par>
-    </p:tnLst>
-  </p:timing>
 </p:sld>
 </file>
 
@@ -5516,9 +4218,7 @@
         </p:nvSpPr>
         <p:spPr/>
         <p:txBody>
-          <a:bodyPr>
-            <a:normAutofit/>
-          </a:bodyPr>
+          <a:bodyPr/>
           <a:lstStyle/>
           <a:p>
             <a:r>
@@ -5541,14 +4241,34 @@
         </p:nvSpPr>
         <p:spPr/>
         <p:txBody>
-          <a:bodyPr>
-            <a:normAutofit fontScale="92500" lnSpcReduction="10000"/>
-          </a:bodyPr>
-          <a:lstStyle/>
-          <a:p>
-            <a:r>
-              <a:rPr lang="pt-BR" dirty="0" smtClean="0"/>
-              <a:t>Comando de condição (IF):</a:t>
+          <a:bodyPr/>
+          <a:lstStyle/>
+          <a:p>
+            <a:r>
+              <a:rPr lang="pt-BR" dirty="0" smtClean="0"/>
+              <a:t>Declaração de variáveis:</a:t>
+            </a:r>
+            <a:br>
+              <a:rPr lang="pt-BR" dirty="0" smtClean="0"/>
+            </a:br>
+            <a:r>
+              <a:rPr lang="pt-BR" dirty="0" smtClean="0"/>
+              <a:t>	var </a:t>
+            </a:r>
+            <a:r>
+              <a:rPr lang="pt-BR" dirty="0" err="1" smtClean="0"/>
+              <a:t>op</a:t>
+            </a:r>
+            <a:r>
+              <a:rPr lang="pt-BR" dirty="0" smtClean="0"/>
+              <a:t>$</a:t>
+            </a:r>
+            <a:endParaRPr lang="pt-BR" u="sng" dirty="0"/>
+          </a:p>
+          <a:p>
+            <a:r>
+              <a:rPr lang="pt-BR" dirty="0" smtClean="0"/>
+              <a:t>Atribuição de valor a variável</a:t>
             </a:r>
           </a:p>
           <a:p>
@@ -5557,7 +4277,21 @@
             </a:pPr>
             <a:r>
               <a:rPr lang="pt-BR" dirty="0" smtClean="0"/>
-              <a:t>    - SE(a$&lt;b$)</a:t>
+              <a:t>	</a:t>
+            </a:r>
+            <a:r>
+              <a:rPr lang="pt-BR" dirty="0" err="1" smtClean="0"/>
+              <a:t>op</a:t>
+            </a:r>
+            <a:r>
+              <a:rPr lang="pt-BR" dirty="0" smtClean="0"/>
+              <a:t>$ = 1;</a:t>
+            </a:r>
+          </a:p>
+          <a:p>
+            <a:r>
+              <a:rPr lang="pt-BR" dirty="0" smtClean="0"/>
+              <a:t>Operações:</a:t>
             </a:r>
           </a:p>
           <a:p>
@@ -5565,76 +4299,47 @@
               <a:buNone/>
             </a:pPr>
             <a:r>
-              <a:rPr lang="pt-BR" dirty="0"/>
+              <a:rPr lang="pt-BR" dirty="0" smtClean="0"/>
+              <a:t>  	</a:t>
+            </a:r>
+            <a:r>
+              <a:rPr lang="pt-BR" dirty="0" err="1" smtClean="0"/>
+              <a:t>cont</a:t>
+            </a:r>
+            <a:r>
+              <a:rPr lang="pt-BR" dirty="0" smtClean="0"/>
+              <a:t>$=num$+num2$;</a:t>
+            </a:r>
+          </a:p>
+          <a:p>
+            <a:pPr marL="0" indent="0">
+              <a:buNone/>
+            </a:pPr>
+            <a:r>
+              <a:rPr lang="pt-BR" dirty="0" smtClean="0"/>
               <a:t>	</a:t>
             </a:r>
             <a:r>
-              <a:rPr lang="pt-BR" dirty="0" smtClean="0"/>
-              <a:t>condição</a:t>
+              <a:rPr lang="pt-BR" dirty="0" err="1" smtClean="0"/>
+              <a:t>cont</a:t>
+            </a:r>
+            <a:r>
+              <a:rPr lang="pt-BR" dirty="0" smtClean="0"/>
+              <a:t>$=num$*num2$;</a:t>
             </a:r>
           </a:p>
           <a:p>
             <a:pPr marL="0" indent="0">
               <a:buNone/>
             </a:pPr>
-            <a:r>
-              <a:rPr lang="pt-BR" dirty="0" smtClean="0"/>
-              <a:t>     FIM;</a:t>
-            </a:r>
-          </a:p>
-          <a:p>
-            <a:r>
-              <a:rPr lang="pt-BR" dirty="0" smtClean="0"/>
-              <a:t>Comando de repetição(laço):</a:t>
-            </a:r>
-          </a:p>
-          <a:p>
-            <a:pPr lvl="1">
-              <a:buFontTx/>
-              <a:buChar char="-"/>
-            </a:pPr>
-            <a:r>
-              <a:rPr lang="pt-BR" dirty="0" smtClean="0"/>
-              <a:t>LACO(a$&gt;b$)</a:t>
-            </a:r>
-          </a:p>
-          <a:p>
-            <a:pPr marL="457200" lvl="1" indent="0">
-              <a:buNone/>
-            </a:pPr>
-            <a:r>
-              <a:rPr lang="pt-BR" dirty="0" smtClean="0"/>
-              <a:t>      condição</a:t>
-            </a:r>
-          </a:p>
-          <a:p>
-            <a:pPr marL="457200" lvl="1" indent="0">
-              <a:buNone/>
-            </a:pPr>
-            <a:r>
-              <a:rPr lang="pt-BR" dirty="0"/>
-              <a:t> </a:t>
-            </a:r>
-            <a:r>
-              <a:rPr lang="pt-BR" dirty="0" smtClean="0"/>
-              <a:t>     a$= a$ -1;</a:t>
-            </a:r>
-          </a:p>
-          <a:p>
-            <a:pPr marL="457200" lvl="1" indent="0">
-              <a:buNone/>
-            </a:pPr>
-            <a:r>
-              <a:rPr lang="pt-BR" dirty="0" smtClean="0"/>
-              <a:t>FIMLACO;</a:t>
-            </a:r>
+            <a:endParaRPr lang="pt-BR" dirty="0" smtClean="0"/>
           </a:p>
         </p:txBody>
       </p:sp>
     </p:spTree>
     <p:extLst>
       <p:ext uri="{BB962C8B-B14F-4D97-AF65-F5344CB8AC3E}">
-        <p14:creationId xmlns:p14="http://schemas.microsoft.com/office/powerpoint/2010/main" val="2547231747"/>
+        <p14:creationId xmlns:p14="http://schemas.microsoft.com/office/powerpoint/2010/main" val="1874165920"/>
       </p:ext>
     </p:extLst>
   </p:cSld>
@@ -5685,45 +4390,113 @@
           <a:p>
             <a:r>
               <a:rPr lang="pt-BR" dirty="0" smtClean="0"/>
-              <a:t>Análise de Linha</a:t>
+              <a:t>Exemplos</a:t>
             </a:r>
             <a:endParaRPr lang="pt-BR" dirty="0"/>
           </a:p>
         </p:txBody>
       </p:sp>
-      <p:pic>
-        <p:nvPicPr>
-          <p:cNvPr id="4" name="Espaço Reservado para Conteúdo 3"/>
-          <p:cNvPicPr>
-            <a:picLocks noGrp="1" noChangeAspect="1"/>
-          </p:cNvPicPr>
+      <p:sp>
+        <p:nvSpPr>
+          <p:cNvPr id="3" name="Espaço Reservado para Conteúdo 2"/>
+          <p:cNvSpPr>
+            <a:spLocks noGrp="1"/>
+          </p:cNvSpPr>
           <p:nvPr>
             <p:ph idx="1"/>
           </p:nvPr>
-        </p:nvPicPr>
-        <p:blipFill>
-          <a:blip r:embed="rId2">
-            <a:extLst>
-              <a:ext uri="{28A0092B-C50C-407E-A947-70E740481C1C}">
-                <a14:useLocalDpi xmlns:a14="http://schemas.microsoft.com/office/drawing/2010/main" val="0"/>
-              </a:ext>
-            </a:extLst>
-          </a:blip>
-          <a:stretch>
-            <a:fillRect/>
-          </a:stretch>
-        </p:blipFill>
-        <p:spPr>
-          <a:xfrm>
-            <a:off x="1403648" y="1412776"/>
-            <a:ext cx="6552727" cy="4713387"/>
-          </a:xfrm>
-        </p:spPr>
-      </p:pic>
+        </p:nvSpPr>
+        <p:spPr/>
+        <p:txBody>
+          <a:bodyPr>
+            <a:normAutofit lnSpcReduction="10000"/>
+          </a:bodyPr>
+          <a:lstStyle/>
+          <a:p>
+            <a:r>
+              <a:rPr lang="pt-BR" dirty="0" smtClean="0"/>
+              <a:t>Impressão de </a:t>
+            </a:r>
+            <a:r>
+              <a:rPr lang="pt-BR" dirty="0" err="1" smtClean="0"/>
+              <a:t>string</a:t>
+            </a:r>
+            <a:r>
+              <a:rPr lang="pt-BR" dirty="0" smtClean="0"/>
+              <a:t> na tela:</a:t>
+            </a:r>
+            <a:endParaRPr lang="pt-BR" dirty="0"/>
+          </a:p>
+          <a:p>
+            <a:pPr marL="0" indent="0">
+              <a:buNone/>
+            </a:pPr>
+            <a:r>
+              <a:rPr lang="pt-BR" dirty="0" smtClean="0"/>
+              <a:t>    - IMPRIMA(‘</a:t>
+            </a:r>
+            <a:r>
+              <a:rPr lang="pt-BR" dirty="0" err="1" smtClean="0"/>
+              <a:t>Ola</a:t>
+            </a:r>
+            <a:r>
+              <a:rPr lang="pt-BR" dirty="0" smtClean="0"/>
+              <a:t> Mundo’);</a:t>
+            </a:r>
+          </a:p>
+          <a:p>
+            <a:pPr marL="0" indent="0">
+              <a:buNone/>
+            </a:pPr>
+            <a:endParaRPr lang="pt-BR" dirty="0" smtClean="0"/>
+          </a:p>
+          <a:p>
+            <a:r>
+              <a:rPr lang="pt-BR" dirty="0" smtClean="0"/>
+              <a:t>Impressão de valor de uma variável:</a:t>
+            </a:r>
+          </a:p>
+          <a:p>
+            <a:pPr marL="0" indent="0">
+              <a:buNone/>
+            </a:pPr>
+            <a:r>
+              <a:rPr lang="pt-BR" dirty="0"/>
+              <a:t> </a:t>
+            </a:r>
+            <a:r>
+              <a:rPr lang="pt-BR" dirty="0" smtClean="0"/>
+              <a:t>   - IMPRIMA(a$);</a:t>
+            </a:r>
+          </a:p>
+          <a:p>
+            <a:pPr marL="0" indent="0">
+              <a:buNone/>
+            </a:pPr>
+            <a:endParaRPr lang="pt-BR" dirty="0"/>
+          </a:p>
+          <a:p>
+            <a:r>
+              <a:rPr lang="pt-BR" dirty="0" smtClean="0"/>
+              <a:t>Ler uma variável do teclado:</a:t>
+            </a:r>
+          </a:p>
+          <a:p>
+            <a:pPr marL="0" indent="0">
+              <a:buNone/>
+            </a:pPr>
+            <a:r>
+              <a:rPr lang="pt-BR" dirty="0" smtClean="0"/>
+              <a:t>    - ESCREVA(a$);</a:t>
+            </a:r>
+            <a:endParaRPr lang="pt-BR" dirty="0"/>
+          </a:p>
+        </p:txBody>
+      </p:sp>
     </p:spTree>
     <p:extLst>
       <p:ext uri="{BB962C8B-B14F-4D97-AF65-F5344CB8AC3E}">
-        <p14:creationId xmlns:p14="http://schemas.microsoft.com/office/powerpoint/2010/main" val="2514497760"/>
+        <p14:creationId xmlns:p14="http://schemas.microsoft.com/office/powerpoint/2010/main" val="1818435867"/>
       </p:ext>
     </p:extLst>
   </p:cSld>
